--- a/NLP2_Consumer_Complaint.pptx
+++ b/NLP2_Consumer_Complaint.pptx
@@ -5,15 +5,22 @@
     <p:sldMasterId id="2147483648" r:id="rId1"/>
   </p:sldMasterIdLst>
   <p:notesMasterIdLst>
-    <p:notesMasterId r:id="rId5"/>
+    <p:notesMasterId r:id="rId12"/>
   </p:notesMasterIdLst>
   <p:handoutMasterIdLst>
-    <p:handoutMasterId r:id="rId6"/>
+    <p:handoutMasterId r:id="rId13"/>
   </p:handoutMasterIdLst>
   <p:sldIdLst>
     <p:sldId id="259" r:id="rId2"/>
-    <p:sldId id="262" r:id="rId3"/>
-    <p:sldId id="261" r:id="rId4"/>
+    <p:sldId id="263" r:id="rId3"/>
+    <p:sldId id="262" r:id="rId4"/>
+    <p:sldId id="261" r:id="rId5"/>
+    <p:sldId id="264" r:id="rId6"/>
+    <p:sldId id="265" r:id="rId7"/>
+    <p:sldId id="266" r:id="rId8"/>
+    <p:sldId id="267" r:id="rId9"/>
+    <p:sldId id="268" r:id="rId10"/>
+    <p:sldId id="269" r:id="rId11"/>
   </p:sldIdLst>
   <p:sldSz cx="9144000" cy="5143500" type="screen16x9"/>
   <p:notesSz cx="6858000" cy="9144000"/>
@@ -205,7 +212,7 @@
           <a:p>
             <a:fld id="{177B9070-9281-4B15-842B-9B135EE24603}" type="datetimeFigureOut">
               <a:rPr lang="de-AT" smtClean="0"/>
-              <a:t>01.10.2024</a:t>
+              <a:t>03.10.24</a:t>
             </a:fld>
             <a:endParaRPr lang="de-AT"/>
           </a:p>
@@ -271,7 +278,7 @@
           <a:p>
             <a:fld id="{CB7FC8AE-2100-403C-A265-5E8967C6F3BC}" type="slidenum">
               <a:rPr lang="de-AT" smtClean="0"/>
-              <a:t>‹Nr.›</a:t>
+              <a:t>‹#›</a:t>
             </a:fld>
             <a:endParaRPr lang="de-AT"/>
           </a:p>
@@ -370,7 +377,7 @@
           <a:p>
             <a:fld id="{843A4CAD-2332-440A-B5F3-F5F26A7FAEC2}" type="datetimeFigureOut">
               <a:rPr lang="en-US" smtClean="0"/>
-              <a:t>10/1/2024</a:t>
+              <a:t>10/3/24</a:t>
             </a:fld>
             <a:endParaRPr lang="en-US"/>
           </a:p>
@@ -528,7 +535,7 @@
           <a:p>
             <a:fld id="{2FFE4289-A74F-4222-9B90-D9BDCFD3E13B}" type="slidenum">
               <a:rPr lang="en-US" smtClean="0"/>
-              <a:t>‹Nr.›</a:t>
+              <a:t>‹#›</a:t>
             </a:fld>
             <a:endParaRPr lang="en-US"/>
           </a:p>
@@ -1221,7 +1228,7 @@
             <a:fld id="{9C057DB4-583E-41A7-BD94-987342018C17}" type="slidenum">
               <a:rPr lang="en-GB" smtClean="0"/>
               <a:pPr/>
-              <a:t>‹Nr.›</a:t>
+              <a:t>‹#›</a:t>
             </a:fld>
             <a:endParaRPr lang="en-GB"/>
           </a:p>
@@ -1744,7 +1751,7 @@
             <a:fld id="{9C057DB4-583E-41A7-BD94-987342018C17}" type="slidenum">
               <a:rPr lang="en-GB" smtClean="0"/>
               <a:pPr/>
-              <a:t>‹Nr.›</a:t>
+              <a:t>‹#›</a:t>
             </a:fld>
             <a:endParaRPr lang="en-GB"/>
           </a:p>
@@ -2168,7 +2175,7 @@
             <a:fld id="{9C057DB4-583E-41A7-BD94-987342018C17}" type="slidenum">
               <a:rPr lang="en-GB" smtClean="0"/>
               <a:pPr/>
-              <a:t>‹Nr.›</a:t>
+              <a:t>‹#›</a:t>
             </a:fld>
             <a:endParaRPr lang="en-GB"/>
           </a:p>
@@ -2691,7 +2698,7 @@
             <a:fld id="{9C057DB4-583E-41A7-BD94-987342018C17}" type="slidenum">
               <a:rPr lang="en-GB" smtClean="0"/>
               <a:pPr/>
-              <a:t>‹Nr.›</a:t>
+              <a:t>‹#›</a:t>
             </a:fld>
             <a:endParaRPr lang="en-GB"/>
           </a:p>
@@ -4336,7 +4343,7 @@
             <a:fld id="{9C057DB4-583E-41A7-BD94-987342018C17}" type="slidenum">
               <a:rPr lang="en-GB" smtClean="0"/>
               <a:pPr/>
-              <a:t>‹Nr.›</a:t>
+              <a:t>‹#›</a:t>
             </a:fld>
             <a:endParaRPr lang="en-GB" dirty="0"/>
           </a:p>
@@ -4735,7 +4742,7 @@
             <a:fld id="{9C057DB4-583E-41A7-BD94-987342018C17}" type="slidenum">
               <a:rPr lang="en-GB" smtClean="0"/>
               <a:pPr/>
-              <a:t>‹Nr.›</a:t>
+              <a:t>‹#›</a:t>
             </a:fld>
             <a:endParaRPr lang="en-GB" dirty="0"/>
           </a:p>
@@ -5094,7 +5101,7 @@
             <a:fld id="{9C057DB4-583E-41A7-BD94-987342018C17}" type="slidenum">
               <a:rPr lang="en-GB" smtClean="0"/>
               <a:pPr/>
-              <a:t>‹Nr.›</a:t>
+              <a:t>‹#›</a:t>
             </a:fld>
             <a:endParaRPr lang="en-GB"/>
           </a:p>
@@ -5561,6 +5568,368 @@
 </p:sld>
 </file>
 
+<file path=ppt/slides/slide10.xml><?xml version="1.0" encoding="utf-8"?>
+<p:sld xmlns:a="http://schemas.openxmlformats.org/drawingml/2006/main" xmlns:r="http://schemas.openxmlformats.org/officeDocument/2006/relationships" xmlns:p="http://schemas.openxmlformats.org/presentationml/2006/main">
+  <p:cSld>
+    <p:bg>
+      <p:bgPr>
+        <a:solidFill>
+          <a:schemeClr val="bg1"/>
+        </a:solidFill>
+        <a:effectLst/>
+      </p:bgPr>
+    </p:bg>
+    <p:spTree>
+      <p:nvGrpSpPr>
+        <p:cNvPr id="1" name="">
+          <a:extLst>
+            <a:ext uri="{FF2B5EF4-FFF2-40B4-BE49-F238E27FC236}">
+              <a16:creationId xmlns:a16="http://schemas.microsoft.com/office/drawing/2014/main" id="{7F2857EC-8DAD-D776-F24F-89A806FC25F2}"/>
+            </a:ext>
+          </a:extLst>
+        </p:cNvPr>
+        <p:cNvGrpSpPr/>
+        <p:nvPr/>
+      </p:nvGrpSpPr>
+      <p:grpSpPr>
+        <a:xfrm>
+          <a:off x="0" y="0"/>
+          <a:ext cx="0" cy="0"/>
+          <a:chOff x="0" y="0"/>
+          <a:chExt cx="0" cy="0"/>
+        </a:xfrm>
+      </p:grpSpPr>
+      <p:sp useBgFill="1">
+        <p:nvSpPr>
+          <p:cNvPr id="12" name="Rectangle 11">
+            <a:extLst>
+              <a:ext uri="{FF2B5EF4-FFF2-40B4-BE49-F238E27FC236}">
+                <a16:creationId xmlns:a16="http://schemas.microsoft.com/office/drawing/2014/main" id="{507B0F68-42D7-0B7E-D03F-1ABB6F71210A}"/>
+              </a:ext>
+              <a:ext uri="{C183D7F6-B498-43B3-948B-1728B52AA6E4}">
+                <adec:decorative xmlns:adec="http://schemas.microsoft.com/office/drawing/2017/decorative" val="1"/>
+              </a:ext>
+            </a:extLst>
+          </p:cNvPr>
+          <p:cNvSpPr>
+            <a:spLocks noGrp="1" noRot="1" noChangeAspect="1" noMove="1" noResize="1" noEditPoints="1" noAdjustHandles="1" noChangeArrowheads="1" noChangeShapeType="1" noTextEdit="1"/>
+          </p:cNvSpPr>
+          <p:nvPr>
+            <p:extLst>
+              <p:ext uri="{386F3935-93C4-4BCD-93E2-E3B085C9AB24}">
+                <p16:designElem xmlns:p16="http://schemas.microsoft.com/office/powerpoint/2015/main" val="1"/>
+              </p:ext>
+            </p:extLst>
+          </p:nvPr>
+        </p:nvSpPr>
+        <p:spPr>
+          <a:xfrm>
+            <a:off x="0" y="0"/>
+            <a:ext cx="9141713" cy="5143500"/>
+          </a:xfrm>
+          <a:prstGeom prst="rect">
+            <a:avLst/>
+          </a:prstGeom>
+          <a:ln>
+            <a:noFill/>
+          </a:ln>
+        </p:spPr>
+        <p:style>
+          <a:lnRef idx="2">
+            <a:schemeClr val="accent1">
+              <a:shade val="50000"/>
+            </a:schemeClr>
+          </a:lnRef>
+          <a:fillRef idx="1">
+            <a:schemeClr val="accent1"/>
+          </a:fillRef>
+          <a:effectRef idx="0">
+            <a:schemeClr val="accent1"/>
+          </a:effectRef>
+          <a:fontRef idx="minor">
+            <a:schemeClr val="lt1"/>
+          </a:fontRef>
+        </p:style>
+        <p:txBody>
+          <a:bodyPr rtlCol="0" anchor="ctr"/>
+          <a:lstStyle/>
+          <a:p>
+            <a:pPr algn="ctr"/>
+            <a:endParaRPr lang="en-US"/>
+          </a:p>
+        </p:txBody>
+      </p:sp>
+      <p:sp>
+        <p:nvSpPr>
+          <p:cNvPr id="2" name="Title 1">
+            <a:extLst>
+              <a:ext uri="{FF2B5EF4-FFF2-40B4-BE49-F238E27FC236}">
+                <a16:creationId xmlns:a16="http://schemas.microsoft.com/office/drawing/2014/main" id="{8B5EBEB3-9094-888A-881A-64DCE1DA5DB2}"/>
+              </a:ext>
+            </a:extLst>
+          </p:cNvPr>
+          <p:cNvSpPr>
+            <a:spLocks noGrp="1"/>
+          </p:cNvSpPr>
+          <p:nvPr>
+            <p:ph type="title"/>
+          </p:nvPr>
+        </p:nvSpPr>
+        <p:spPr>
+          <a:xfrm>
+            <a:off x="628650" y="273843"/>
+            <a:ext cx="7886700" cy="550616"/>
+          </a:xfrm>
+        </p:spPr>
+        <p:txBody>
+          <a:bodyPr vert="horz" lIns="91440" tIns="45720" rIns="91440" bIns="45720" rtlCol="0" anchor="ctr">
+            <a:normAutofit/>
+          </a:bodyPr>
+          <a:lstStyle/>
+          <a:p>
+            <a:pPr defTabSz="914400"/>
+            <a:r>
+              <a:rPr lang="en-US" sz="2400" dirty="0"/>
+              <a:t>Classification Test Run: Logistic Regression/TFIDF</a:t>
+            </a:r>
+          </a:p>
+        </p:txBody>
+      </p:sp>
+      <p:sp>
+        <p:nvSpPr>
+          <p:cNvPr id="4" name="Footer Placeholder 3">
+            <a:extLst>
+              <a:ext uri="{FF2B5EF4-FFF2-40B4-BE49-F238E27FC236}">
+                <a16:creationId xmlns:a16="http://schemas.microsoft.com/office/drawing/2014/main" id="{DEC45C96-FAD9-C566-C850-8F423CAA8063}"/>
+              </a:ext>
+            </a:extLst>
+          </p:cNvPr>
+          <p:cNvSpPr>
+            <a:spLocks noGrp="1"/>
+          </p:cNvSpPr>
+          <p:nvPr>
+            <p:ph type="ftr" sz="quarter" idx="12"/>
+          </p:nvPr>
+        </p:nvSpPr>
+        <p:spPr>
+          <a:xfrm>
+            <a:off x="3028950" y="4767262"/>
+            <a:ext cx="3086100" cy="273844"/>
+          </a:xfrm>
+        </p:spPr>
+        <p:txBody>
+          <a:bodyPr vert="horz" lIns="91440" tIns="45720" rIns="91440" bIns="45720" rtlCol="0" anchor="ctr">
+            <a:normAutofit/>
+          </a:bodyPr>
+          <a:lstStyle/>
+          <a:p>
+            <a:pPr algn="ctr">
+              <a:lnSpc>
+                <a:spcPct val="90000"/>
+              </a:lnSpc>
+              <a:spcAft>
+                <a:spcPts val="600"/>
+              </a:spcAft>
+            </a:pPr>
+            <a:r>
+              <a:rPr lang="en-US" sz="1200" kern="1200">
+                <a:solidFill>
+                  <a:schemeClr val="tx1">
+                    <a:tint val="75000"/>
+                  </a:schemeClr>
+                </a:solidFill>
+                <a:latin typeface="+mn-lt"/>
+                <a:ea typeface="+mn-ea"/>
+                <a:cs typeface="+mn-cs"/>
+              </a:rPr>
+              <a:t>Präsentationstitel | Name | Datum</a:t>
+            </a:r>
+          </a:p>
+        </p:txBody>
+      </p:sp>
+      <p:sp>
+        <p:nvSpPr>
+          <p:cNvPr id="5" name="Slide Number Placeholder 4">
+            <a:extLst>
+              <a:ext uri="{FF2B5EF4-FFF2-40B4-BE49-F238E27FC236}">
+                <a16:creationId xmlns:a16="http://schemas.microsoft.com/office/drawing/2014/main" id="{F9C6005D-9652-CF88-0358-78BAFA9455FE}"/>
+              </a:ext>
+            </a:extLst>
+          </p:cNvPr>
+          <p:cNvSpPr>
+            <a:spLocks noGrp="1"/>
+          </p:cNvSpPr>
+          <p:nvPr>
+            <p:ph type="sldNum" sz="quarter" idx="13"/>
+          </p:nvPr>
+        </p:nvSpPr>
+        <p:spPr>
+          <a:xfrm>
+            <a:off x="6457950" y="4767262"/>
+            <a:ext cx="2057400" cy="273844"/>
+          </a:xfrm>
+        </p:spPr>
+        <p:txBody>
+          <a:bodyPr vert="horz" lIns="91440" tIns="45720" rIns="91440" bIns="45720" rtlCol="0" anchor="ctr">
+            <a:normAutofit/>
+          </a:bodyPr>
+          <a:lstStyle/>
+          <a:p>
+            <a:pPr>
+              <a:lnSpc>
+                <a:spcPct val="90000"/>
+              </a:lnSpc>
+              <a:spcAft>
+                <a:spcPts val="600"/>
+              </a:spcAft>
+            </a:pPr>
+            <a:fld id="{9C057DB4-583E-41A7-BD94-987342018C17}" type="slidenum">
+              <a:rPr lang="en-US" sz="1200" smtClean="0">
+                <a:solidFill>
+                  <a:schemeClr val="tx1">
+                    <a:tint val="75000"/>
+                  </a:schemeClr>
+                </a:solidFill>
+              </a:rPr>
+              <a:pPr>
+                <a:lnSpc>
+                  <a:spcPct val="90000"/>
+                </a:lnSpc>
+                <a:spcAft>
+                  <a:spcPts val="600"/>
+                </a:spcAft>
+              </a:pPr>
+              <a:t>10</a:t>
+            </a:fld>
+            <a:endParaRPr lang="en-US" sz="1200">
+              <a:solidFill>
+                <a:schemeClr val="tx1">
+                  <a:tint val="75000"/>
+                </a:schemeClr>
+              </a:solidFill>
+            </a:endParaRPr>
+          </a:p>
+        </p:txBody>
+      </p:sp>
+      <p:pic>
+        <p:nvPicPr>
+          <p:cNvPr id="10" name="Picture 9" descr="A screen shot of a computer code&#10;&#10;Description automatically generated">
+            <a:extLst>
+              <a:ext uri="{FF2B5EF4-FFF2-40B4-BE49-F238E27FC236}">
+                <a16:creationId xmlns:a16="http://schemas.microsoft.com/office/drawing/2014/main" id="{93C0D6F1-B433-54E7-C77F-02822B255C40}"/>
+              </a:ext>
+            </a:extLst>
+          </p:cNvPr>
+          <p:cNvPicPr>
+            <a:picLocks noChangeAspect="1"/>
+          </p:cNvPicPr>
+          <p:nvPr/>
+        </p:nvPicPr>
+        <p:blipFill>
+          <a:blip r:embed="rId2">
+            <a:extLst>
+              <a:ext uri="{28A0092B-C50C-407E-A947-70E740481C1C}">
+                <a14:useLocalDpi xmlns:a14="http://schemas.microsoft.com/office/drawing/2010/main" val="0"/>
+              </a:ext>
+            </a:extLst>
+          </a:blip>
+          <a:stretch>
+            <a:fillRect/>
+          </a:stretch>
+        </p:blipFill>
+        <p:spPr>
+          <a:xfrm>
+            <a:off x="462528" y="2090939"/>
+            <a:ext cx="4260110" cy="1605569"/>
+          </a:xfrm>
+          <a:prstGeom prst="rect">
+            <a:avLst/>
+          </a:prstGeom>
+        </p:spPr>
+      </p:pic>
+      <p:pic>
+        <p:nvPicPr>
+          <p:cNvPr id="13" name="Picture 12" descr="A screenshot of a computer screen&#10;&#10;Description automatically generated">
+            <a:extLst>
+              <a:ext uri="{FF2B5EF4-FFF2-40B4-BE49-F238E27FC236}">
+                <a16:creationId xmlns:a16="http://schemas.microsoft.com/office/drawing/2014/main" id="{08231F2F-5AAA-3055-DB1C-5329D3D3177F}"/>
+              </a:ext>
+            </a:extLst>
+          </p:cNvPr>
+          <p:cNvPicPr>
+            <a:picLocks noChangeAspect="1"/>
+          </p:cNvPicPr>
+          <p:nvPr/>
+        </p:nvPicPr>
+        <p:blipFill>
+          <a:blip r:embed="rId3">
+            <a:extLst>
+              <a:ext uri="{28A0092B-C50C-407E-A947-70E740481C1C}">
+                <a14:useLocalDpi xmlns:a14="http://schemas.microsoft.com/office/drawing/2010/main" val="0"/>
+              </a:ext>
+            </a:extLst>
+          </a:blip>
+          <a:srcRect r="19436"/>
+          <a:stretch/>
+        </p:blipFill>
+        <p:spPr>
+          <a:xfrm>
+            <a:off x="5003476" y="1857014"/>
+            <a:ext cx="3322473" cy="1921012"/>
+          </a:xfrm>
+          <a:prstGeom prst="rect">
+            <a:avLst/>
+          </a:prstGeom>
+        </p:spPr>
+      </p:pic>
+      <p:sp>
+        <p:nvSpPr>
+          <p:cNvPr id="16" name="TextBox 15">
+            <a:extLst>
+              <a:ext uri="{FF2B5EF4-FFF2-40B4-BE49-F238E27FC236}">
+                <a16:creationId xmlns:a16="http://schemas.microsoft.com/office/drawing/2014/main" id="{FB2FDF4B-BC27-1777-CA8C-6F64E36C1BB2}"/>
+              </a:ext>
+            </a:extLst>
+          </p:cNvPr>
+          <p:cNvSpPr txBox="1"/>
+          <p:nvPr/>
+        </p:nvSpPr>
+        <p:spPr>
+          <a:xfrm>
+            <a:off x="808219" y="788046"/>
+            <a:ext cx="7412928" cy="369332"/>
+          </a:xfrm>
+          <a:prstGeom prst="rect">
+            <a:avLst/>
+          </a:prstGeom>
+          <a:noFill/>
+        </p:spPr>
+        <p:txBody>
+          <a:bodyPr wrap="square">
+            <a:spAutoFit/>
+          </a:bodyPr>
+          <a:lstStyle/>
+          <a:p>
+            <a:r>
+              <a:rPr lang="en-AT" dirty="0"/>
+              <a:t>This has not been tuned yet, we will also try out other combinations. </a:t>
+            </a:r>
+          </a:p>
+        </p:txBody>
+      </p:sp>
+    </p:spTree>
+    <p:extLst>
+      <p:ext uri="{BB962C8B-B14F-4D97-AF65-F5344CB8AC3E}">
+        <p14:creationId xmlns:p14="http://schemas.microsoft.com/office/powerpoint/2010/main" val="1080618946"/>
+      </p:ext>
+    </p:extLst>
+  </p:cSld>
+  <p:clrMapOvr>
+    <a:masterClrMapping/>
+  </p:clrMapOvr>
+</p:sld>
+</file>
+
 <file path=ppt/slides/slide2.xml><?xml version="1.0" encoding="utf-8"?>
 <p:sld xmlns:a="http://schemas.openxmlformats.org/drawingml/2006/main" xmlns:r="http://schemas.openxmlformats.org/officeDocument/2006/relationships" xmlns:p="http://schemas.openxmlformats.org/presentationml/2006/main">
   <p:cSld>
@@ -5580,10 +5949,10 @@
       </p:grpSpPr>
       <p:sp>
         <p:nvSpPr>
-          <p:cNvPr id="6" name="Titel 5">
+          <p:cNvPr id="2" name="Title 1">
             <a:extLst>
               <a:ext uri="{FF2B5EF4-FFF2-40B4-BE49-F238E27FC236}">
-                <a16:creationId xmlns:a16="http://schemas.microsoft.com/office/drawing/2014/main" id="{50803CD6-09DC-4143-8EFF-1E428159926C}"/>
+                <a16:creationId xmlns:a16="http://schemas.microsoft.com/office/drawing/2014/main" id="{1F9CB84C-DD0D-D1AB-6ED9-90E99DB76AFA}"/>
               </a:ext>
             </a:extLst>
           </p:cNvPr>
@@ -5602,21 +5971,97 @@
           <a:lstStyle/>
           <a:p>
             <a:r>
-              <a:rPr lang="en-US" dirty="0"/>
-              <a:t>State of the Art / Related work</a:t>
+              <a:rPr lang="en-AT" dirty="0"/>
+              <a:t>Updates since last week</a:t>
             </a:r>
           </a:p>
         </p:txBody>
       </p:sp>
       <p:sp>
         <p:nvSpPr>
-          <p:cNvPr id="4" name="Fußzeilenplatzhalter 3">
+          <p:cNvPr id="3" name="Text Placeholder 2">
             <a:extLst>
               <a:ext uri="{FF2B5EF4-FFF2-40B4-BE49-F238E27FC236}">
-                <a16:creationId xmlns:a16="http://schemas.microsoft.com/office/drawing/2014/main" id="{DE26B2AA-2CE4-4629-8E28-AA9263ED9B5E}"/>
-              </a:ext>
-              <a:ext uri="{C183D7F6-B498-43B3-948B-1728B52AA6E4}">
-                <adec:decorative xmlns:adec="http://schemas.microsoft.com/office/drawing/2017/decorative" val="1"/>
+                <a16:creationId xmlns:a16="http://schemas.microsoft.com/office/drawing/2014/main" id="{E4921A35-BFEF-3BE6-FB39-A643D6822C7F}"/>
+              </a:ext>
+            </a:extLst>
+          </p:cNvPr>
+          <p:cNvSpPr>
+            <a:spLocks noGrp="1"/>
+          </p:cNvSpPr>
+          <p:nvPr>
+            <p:ph type="body" sz="quarter" idx="15"/>
+          </p:nvPr>
+        </p:nvSpPr>
+        <p:spPr/>
+        <p:txBody>
+          <a:bodyPr/>
+          <a:lstStyle/>
+          <a:p>
+            <a:r>
+              <a:rPr lang="en-AT" dirty="0"/>
+              <a:t>State of the Art / Related Work</a:t>
+            </a:r>
+          </a:p>
+          <a:p>
+            <a:r>
+              <a:rPr lang="en-AT" dirty="0"/>
+              <a:t>Undersampled Data</a:t>
+            </a:r>
+          </a:p>
+          <a:p>
+            <a:pPr lvl="1"/>
+            <a:r>
+              <a:rPr lang="en-GB" dirty="0"/>
+              <a:t>get smaller data set n=67.175</a:t>
+            </a:r>
+            <a:endParaRPr lang="en-AT" dirty="0"/>
+          </a:p>
+          <a:p>
+            <a:pPr lvl="1"/>
+            <a:r>
+              <a:rPr lang="en-AT" dirty="0"/>
+              <a:t>handle data imbalance </a:t>
+            </a:r>
+            <a:br>
+              <a:rPr lang="en-AT" dirty="0"/>
+            </a:br>
+            <a:r>
+              <a:rPr lang="en-AT" dirty="0"/>
+              <a:t>13.435 per product category</a:t>
+            </a:r>
+          </a:p>
+          <a:p>
+            <a:pPr lvl="1"/>
+            <a:endParaRPr lang="en-AT" dirty="0"/>
+          </a:p>
+          <a:p>
+            <a:r>
+              <a:rPr lang="en-AT" dirty="0"/>
+              <a:t>Tested several embeddings with cosine similarity</a:t>
+            </a:r>
+          </a:p>
+          <a:p>
+            <a:r>
+              <a:rPr lang="en-AT" dirty="0"/>
+              <a:t>Tested Logistic Regression Model with TFIDF</a:t>
+            </a:r>
+          </a:p>
+          <a:p>
+            <a:endParaRPr lang="en-AT" dirty="0"/>
+          </a:p>
+          <a:p>
+            <a:pPr lvl="1"/>
+            <a:endParaRPr lang="en-AT" dirty="0"/>
+          </a:p>
+        </p:txBody>
+      </p:sp>
+      <p:sp>
+        <p:nvSpPr>
+          <p:cNvPr id="5" name="Footer Placeholder 4">
+            <a:extLst>
+              <a:ext uri="{FF2B5EF4-FFF2-40B4-BE49-F238E27FC236}">
+                <a16:creationId xmlns:a16="http://schemas.microsoft.com/office/drawing/2014/main" id="{1985CC97-2812-3CC1-A241-DDE922C7F2DF}"/>
               </a:ext>
             </a:extLst>
           </p:cNvPr>
@@ -5627,52 +6072,25 @@
             <p:ph type="ftr" sz="quarter" idx="13"/>
           </p:nvPr>
         </p:nvSpPr>
-        <p:spPr>
-          <a:xfrm>
-            <a:off x="1768839" y="4812504"/>
-            <a:ext cx="6698713" cy="273844"/>
-          </a:xfrm>
-        </p:spPr>
+        <p:spPr/>
         <p:txBody>
           <a:bodyPr/>
           <a:lstStyle/>
           <a:p>
             <a:r>
-              <a:rPr lang="en-US" dirty="0"/>
-              <a:t>Text classification of Consumer Complaints</a:t>
-            </a:r>
-            <a:r>
-              <a:rPr lang="en-GB" dirty="0"/>
-              <a:t> | </a:t>
-            </a:r>
-            <a:r>
-              <a:rPr lang="de-AT" noProof="0" dirty="0"/>
-              <a:t>Jasia Alam, Michaela Hubweber, Kathrin Schumich, Florian </a:t>
-            </a:r>
-            <a:r>
-              <a:rPr lang="de-AT" noProof="0" dirty="0" err="1"/>
-              <a:t>Ye</a:t>
-            </a:r>
-            <a:r>
-              <a:rPr lang="de-AT" noProof="0" dirty="0"/>
-              <a:t> </a:t>
-            </a:r>
-            <a:r>
-              <a:rPr lang="en-GB" dirty="0"/>
-              <a:t> | 03.10.2024</a:t>
-            </a:r>
+              <a:rPr lang="en-GB"/>
+              <a:t>Präsentationstitel | Name | Datum</a:t>
+            </a:r>
+            <a:endParaRPr lang="en-GB" dirty="0"/>
           </a:p>
         </p:txBody>
       </p:sp>
       <p:sp>
         <p:nvSpPr>
-          <p:cNvPr id="5" name="Foliennummernplatzhalter 4">
+          <p:cNvPr id="6" name="Slide Number Placeholder 5">
             <a:extLst>
               <a:ext uri="{FF2B5EF4-FFF2-40B4-BE49-F238E27FC236}">
-                <a16:creationId xmlns:a16="http://schemas.microsoft.com/office/drawing/2014/main" id="{72B704B6-27A5-4159-A557-675FBE4CF205}"/>
-              </a:ext>
-              <a:ext uri="{C183D7F6-B498-43B3-948B-1728B52AA6E4}">
-                <adec:decorative xmlns:adec="http://schemas.microsoft.com/office/drawing/2017/decorative" val="1"/>
+                <a16:creationId xmlns:a16="http://schemas.microsoft.com/office/drawing/2014/main" id="{33FB04AB-EFE2-3930-0CDF-5163996568FA}"/>
               </a:ext>
             </a:extLst>
           </p:cNvPr>
@@ -5683,12 +6101,7 @@
             <p:ph type="sldNum" sz="quarter" idx="14"/>
           </p:nvPr>
         </p:nvSpPr>
-        <p:spPr>
-          <a:xfrm>
-            <a:off x="8542066" y="4812504"/>
-            <a:ext cx="485255" cy="273844"/>
-          </a:xfrm>
-        </p:spPr>
+        <p:spPr/>
         <p:txBody>
           <a:bodyPr/>
           <a:lstStyle/>
@@ -5702,946 +6115,10 @@
           </a:p>
         </p:txBody>
       </p:sp>
-      <p:sp>
-        <p:nvSpPr>
-          <p:cNvPr id="9" name="Rectangle 4">
-            <a:extLst>
-              <a:ext uri="{FF2B5EF4-FFF2-40B4-BE49-F238E27FC236}">
-                <a16:creationId xmlns:a16="http://schemas.microsoft.com/office/drawing/2014/main" id="{F2B47335-4834-BCB4-F36C-51626A141EC5}"/>
-              </a:ext>
-            </a:extLst>
-          </p:cNvPr>
-          <p:cNvSpPr>
-            <a:spLocks noGrp="1" noChangeArrowheads="1"/>
-          </p:cNvSpPr>
-          <p:nvPr>
-            <p:ph type="body" sz="quarter" idx="15"/>
-          </p:nvPr>
-        </p:nvSpPr>
-        <p:spPr bwMode="auto">
-          <a:xfrm>
-            <a:off x="93157" y="830455"/>
-            <a:ext cx="8638614" cy="3677930"/>
-          </a:xfrm>
-          <a:prstGeom prst="rect">
-            <a:avLst/>
-          </a:prstGeom>
-          <a:noFill/>
-          <a:ln>
-            <a:noFill/>
-          </a:ln>
-          <a:effectLst/>
-          <a:extLst>
-            <a:ext uri="{909E8E84-426E-40DD-AFC4-6F175D3DCCD1}">
-              <a14:hiddenFill xmlns:a14="http://schemas.microsoft.com/office/drawing/2010/main">
-                <a:solidFill>
-                  <a:schemeClr val="accent1"/>
-                </a:solidFill>
-              </a14:hiddenFill>
-            </a:ext>
-            <a:ext uri="{91240B29-F687-4F45-9708-019B960494DF}">
-              <a14:hiddenLine xmlns:a14="http://schemas.microsoft.com/office/drawing/2010/main" w="9525">
-                <a:solidFill>
-                  <a:schemeClr val="tx1"/>
-                </a:solidFill>
-                <a:miter lim="800000"/>
-                <a:headEnd/>
-                <a:tailEnd/>
-              </a14:hiddenLine>
-            </a:ext>
-            <a:ext uri="{AF507438-7753-43E0-B8FC-AC1667EBCBE1}">
-              <a14:hiddenEffects xmlns:a14="http://schemas.microsoft.com/office/drawing/2010/main">
-                <a:effectLst>
-                  <a:outerShdw dist="35921" dir="2700000" algn="ctr" rotWithShape="0">
-                    <a:schemeClr val="bg2"/>
-                  </a:outerShdw>
-                </a:effectLst>
-              </a14:hiddenEffects>
-            </a:ext>
-          </a:extLst>
-        </p:spPr>
-        <p:txBody>
-          <a:bodyPr vert="horz" wrap="square" lIns="91440" tIns="45720" rIns="91440" bIns="45720" numCol="1" anchor="ctr" anchorCtr="0" compatLnSpc="1">
-            <a:prstTxWarp prst="textNoShape">
-              <a:avLst/>
-            </a:prstTxWarp>
-            <a:spAutoFit/>
-          </a:bodyPr>
-          <a:lstStyle/>
-          <a:p>
-            <a:pPr marL="0" indent="0" defTabSz="914400" eaLnBrk="0" fontAlgn="base" hangingPunct="0">
-              <a:lnSpc>
-                <a:spcPct val="100000"/>
-              </a:lnSpc>
-              <a:spcBef>
-                <a:spcPct val="0"/>
-              </a:spcBef>
-              <a:spcAft>
-                <a:spcPct val="0"/>
-              </a:spcAft>
-              <a:buNone/>
-            </a:pPr>
-            <a:r>
-              <a:rPr kumimoji="0" lang="de-DE" altLang="de-DE" sz="1400" b="1" i="0" u="none" strike="noStrike" cap="none" normalizeH="0" baseline="0" dirty="0" err="1">
-                <a:ln>
-                  <a:noFill/>
-                </a:ln>
-                <a:solidFill>
-                  <a:schemeClr val="tx1"/>
-                </a:solidFill>
-                <a:effectLst/>
-                <a:latin typeface="Arial" panose="020B0604020202020204" pitchFamily="34" charset="0"/>
-              </a:rPr>
-              <a:t>What</a:t>
-            </a:r>
-            <a:r>
-              <a:rPr kumimoji="0" lang="de-DE" altLang="de-DE" sz="1400" b="1" i="0" u="none" strike="noStrike" cap="none" normalizeH="0" baseline="0" dirty="0">
-                <a:ln>
-                  <a:noFill/>
-                </a:ln>
-                <a:solidFill>
-                  <a:schemeClr val="tx1"/>
-                </a:solidFill>
-                <a:effectLst/>
-                <a:latin typeface="Arial" panose="020B0604020202020204" pitchFamily="34" charset="0"/>
-              </a:rPr>
-              <a:t> </a:t>
-            </a:r>
-            <a:r>
-              <a:rPr kumimoji="0" lang="de-DE" altLang="de-DE" sz="1400" b="1" i="0" u="none" strike="noStrike" cap="none" normalizeH="0" baseline="0" dirty="0" err="1">
-                <a:ln>
-                  <a:noFill/>
-                </a:ln>
-                <a:solidFill>
-                  <a:schemeClr val="tx1"/>
-                </a:solidFill>
-                <a:effectLst/>
-                <a:latin typeface="Arial" panose="020B0604020202020204" pitchFamily="34" charset="0"/>
-              </a:rPr>
-              <a:t>has</a:t>
-            </a:r>
-            <a:r>
-              <a:rPr kumimoji="0" lang="de-DE" altLang="de-DE" sz="1400" b="1" i="0" u="none" strike="noStrike" cap="none" normalizeH="0" baseline="0" dirty="0">
-                <a:ln>
-                  <a:noFill/>
-                </a:ln>
-                <a:solidFill>
-                  <a:schemeClr val="tx1"/>
-                </a:solidFill>
-                <a:effectLst/>
-                <a:latin typeface="Arial" panose="020B0604020202020204" pitchFamily="34" charset="0"/>
-              </a:rPr>
-              <a:t> </a:t>
-            </a:r>
-            <a:r>
-              <a:rPr kumimoji="0" lang="de-DE" altLang="de-DE" sz="1400" b="1" i="0" u="none" strike="noStrike" cap="none" normalizeH="0" baseline="0" dirty="0" err="1">
-                <a:ln>
-                  <a:noFill/>
-                </a:ln>
-                <a:solidFill>
-                  <a:schemeClr val="tx1"/>
-                </a:solidFill>
-                <a:effectLst/>
-                <a:latin typeface="Arial" panose="020B0604020202020204" pitchFamily="34" charset="0"/>
-              </a:rPr>
-              <a:t>been</a:t>
-            </a:r>
-            <a:r>
-              <a:rPr kumimoji="0" lang="de-DE" altLang="de-DE" sz="1400" b="1" i="0" u="none" strike="noStrike" cap="none" normalizeH="0" baseline="0" dirty="0">
-                <a:ln>
-                  <a:noFill/>
-                </a:ln>
-                <a:solidFill>
-                  <a:schemeClr val="tx1"/>
-                </a:solidFill>
-                <a:effectLst/>
-                <a:latin typeface="Arial" panose="020B0604020202020204" pitchFamily="34" charset="0"/>
-              </a:rPr>
-              <a:t> </a:t>
-            </a:r>
-            <a:r>
-              <a:rPr kumimoji="0" lang="de-DE" altLang="de-DE" sz="1400" b="1" i="0" u="none" strike="noStrike" cap="none" normalizeH="0" baseline="0" dirty="0" err="1">
-                <a:ln>
-                  <a:noFill/>
-                </a:ln>
-                <a:solidFill>
-                  <a:schemeClr val="tx1"/>
-                </a:solidFill>
-                <a:effectLst/>
-                <a:latin typeface="Arial" panose="020B0604020202020204" pitchFamily="34" charset="0"/>
-              </a:rPr>
-              <a:t>researched</a:t>
-            </a:r>
-            <a:r>
-              <a:rPr kumimoji="0" lang="de-DE" altLang="de-DE" sz="1400" b="1" i="0" u="none" strike="noStrike" cap="none" normalizeH="0" baseline="0" dirty="0">
-                <a:ln>
-                  <a:noFill/>
-                </a:ln>
-                <a:solidFill>
-                  <a:schemeClr val="tx1"/>
-                </a:solidFill>
-                <a:effectLst/>
-                <a:latin typeface="Arial" panose="020B0604020202020204" pitchFamily="34" charset="0"/>
-              </a:rPr>
-              <a:t> so </a:t>
-            </a:r>
-            <a:r>
-              <a:rPr kumimoji="0" lang="de-DE" altLang="de-DE" sz="1400" b="1" i="0" u="none" strike="noStrike" cap="none" normalizeH="0" baseline="0" dirty="0" err="1">
-                <a:ln>
-                  <a:noFill/>
-                </a:ln>
-                <a:solidFill>
-                  <a:schemeClr val="tx1"/>
-                </a:solidFill>
-                <a:effectLst/>
-                <a:latin typeface="Arial" panose="020B0604020202020204" pitchFamily="34" charset="0"/>
-              </a:rPr>
-              <a:t>far</a:t>
-            </a:r>
-            <a:r>
-              <a:rPr kumimoji="0" lang="de-DE" altLang="de-DE" sz="1400" b="1" i="0" u="none" strike="noStrike" cap="none" normalizeH="0" baseline="0" dirty="0">
-                <a:ln>
-                  <a:noFill/>
-                </a:ln>
-                <a:solidFill>
-                  <a:schemeClr val="tx1"/>
-                </a:solidFill>
-                <a:effectLst/>
-                <a:latin typeface="Arial" panose="020B0604020202020204" pitchFamily="34" charset="0"/>
-              </a:rPr>
-              <a:t>?</a:t>
-            </a:r>
-            <a:endParaRPr lang="de-DE" altLang="de-DE" sz="1400" dirty="0"/>
-          </a:p>
-          <a:p>
-            <a:pPr defTabSz="914400" eaLnBrk="0" fontAlgn="base" hangingPunct="0">
-              <a:lnSpc>
-                <a:spcPct val="100000"/>
-              </a:lnSpc>
-              <a:spcBef>
-                <a:spcPct val="0"/>
-              </a:spcBef>
-              <a:spcAft>
-                <a:spcPct val="0"/>
-              </a:spcAft>
-            </a:pPr>
-            <a:r>
-              <a:rPr lang="en-US" altLang="de-DE" sz="1400" dirty="0"/>
-              <a:t>C</a:t>
-            </a:r>
-            <a:r>
-              <a:rPr kumimoji="0" lang="en-US" altLang="de-DE" sz="1400" b="0" i="0" u="none" strike="noStrike" cap="none" normalizeH="0" baseline="0" dirty="0">
-                <a:ln>
-                  <a:noFill/>
-                </a:ln>
-                <a:solidFill>
-                  <a:schemeClr val="tx1"/>
-                </a:solidFill>
-                <a:effectLst/>
-                <a:latin typeface="Arial" panose="020B0604020202020204" pitchFamily="34" charset="0"/>
-              </a:rPr>
-              <a:t>lassifying customer complaints into predefined categories using advanced NLP techniques</a:t>
-            </a:r>
-          </a:p>
-          <a:p>
-            <a:pPr defTabSz="914400" eaLnBrk="0" fontAlgn="base" hangingPunct="0">
-              <a:lnSpc>
-                <a:spcPct val="100000"/>
-              </a:lnSpc>
-              <a:spcBef>
-                <a:spcPct val="0"/>
-              </a:spcBef>
-              <a:spcAft>
-                <a:spcPct val="0"/>
-              </a:spcAft>
-            </a:pPr>
-            <a:r>
-              <a:rPr lang="en-US" altLang="de-DE" sz="1400" dirty="0"/>
-              <a:t>V</a:t>
-            </a:r>
-            <a:r>
-              <a:rPr kumimoji="0" lang="en-US" altLang="de-DE" sz="1400" b="0" i="0" u="none" strike="noStrike" cap="none" normalizeH="0" baseline="0" dirty="0">
-                <a:ln>
-                  <a:noFill/>
-                </a:ln>
-                <a:solidFill>
-                  <a:schemeClr val="tx1"/>
-                </a:solidFill>
-                <a:effectLst/>
-                <a:latin typeface="Arial" panose="020B0604020202020204" pitchFamily="34" charset="0"/>
-              </a:rPr>
-              <a:t>arious machine learning and deep learning techniques</a:t>
-            </a:r>
-          </a:p>
-          <a:p>
-            <a:pPr defTabSz="914400" eaLnBrk="0" fontAlgn="base" hangingPunct="0">
-              <a:lnSpc>
-                <a:spcPct val="100000"/>
-              </a:lnSpc>
-              <a:spcBef>
-                <a:spcPct val="0"/>
-              </a:spcBef>
-              <a:spcAft>
-                <a:spcPct val="0"/>
-              </a:spcAft>
-            </a:pPr>
-            <a:r>
-              <a:rPr kumimoji="0" lang="en-US" altLang="de-DE" sz="1400" b="0" i="0" u="none" strike="noStrike" cap="none" normalizeH="0" baseline="0" dirty="0">
-                <a:ln>
-                  <a:noFill/>
-                </a:ln>
-                <a:solidFill>
-                  <a:schemeClr val="tx1"/>
-                </a:solidFill>
-                <a:effectLst/>
-                <a:latin typeface="Arial" panose="020B0604020202020204" pitchFamily="34" charset="0"/>
-              </a:rPr>
-              <a:t>Word embeddings to capture semantic relationships in complaint texts</a:t>
-            </a:r>
-          </a:p>
-          <a:p>
-            <a:pPr defTabSz="914400" eaLnBrk="0" fontAlgn="base" hangingPunct="0">
-              <a:lnSpc>
-                <a:spcPct val="100000"/>
-              </a:lnSpc>
-              <a:spcBef>
-                <a:spcPct val="0"/>
-              </a:spcBef>
-              <a:spcAft>
-                <a:spcPct val="0"/>
-              </a:spcAft>
-            </a:pPr>
-            <a:r>
-              <a:rPr kumimoji="0" lang="en-US" altLang="de-DE" sz="1400" b="0" i="0" u="none" strike="noStrike" cap="none" normalizeH="0" baseline="0" dirty="0">
-                <a:ln>
-                  <a:noFill/>
-                </a:ln>
-                <a:solidFill>
-                  <a:schemeClr val="tx1"/>
-                </a:solidFill>
-                <a:effectLst/>
-                <a:latin typeface="Arial" panose="020B0604020202020204" pitchFamily="34" charset="0"/>
-              </a:rPr>
-              <a:t>Studies</a:t>
-            </a:r>
-            <a:r>
-              <a:rPr lang="en-US" altLang="de-DE" sz="1400" dirty="0"/>
-              <a:t> </a:t>
-            </a:r>
-            <a:r>
-              <a:rPr kumimoji="0" lang="en-US" altLang="de-DE" sz="1400" b="0" i="0" u="none" strike="noStrike" cap="none" normalizeH="0" baseline="0" dirty="0">
-                <a:ln>
-                  <a:noFill/>
-                </a:ln>
-                <a:solidFill>
-                  <a:schemeClr val="tx1"/>
-                </a:solidFill>
-                <a:effectLst/>
-                <a:latin typeface="Arial" panose="020B0604020202020204" pitchFamily="34" charset="0"/>
-              </a:rPr>
-              <a:t>show high accuracy in categorizing consumer complaints based on text</a:t>
-            </a:r>
-          </a:p>
-          <a:p>
-            <a:pPr defTabSz="914400" eaLnBrk="0" fontAlgn="base" hangingPunct="0">
-              <a:lnSpc>
-                <a:spcPct val="100000"/>
-              </a:lnSpc>
-              <a:spcBef>
-                <a:spcPct val="0"/>
-              </a:spcBef>
-              <a:spcAft>
-                <a:spcPct val="0"/>
-              </a:spcAft>
-            </a:pPr>
-            <a:r>
-              <a:rPr kumimoji="0" lang="en-US" altLang="de-DE" sz="1400" b="0" i="0" u="none" strike="noStrike" cap="none" normalizeH="0" baseline="0" dirty="0">
-                <a:ln>
-                  <a:noFill/>
-                </a:ln>
-                <a:solidFill>
-                  <a:schemeClr val="tx1"/>
-                </a:solidFill>
-                <a:effectLst/>
-                <a:latin typeface="Arial" panose="020B0604020202020204" pitchFamily="34" charset="0"/>
-              </a:rPr>
-              <a:t>Some approaches also use dimensionality reduction for better data visualization and grouping</a:t>
-            </a:r>
-            <a:endParaRPr lang="de-DE" altLang="de-DE" sz="1400" dirty="0"/>
-          </a:p>
-          <a:p>
-            <a:pPr marL="0" indent="0" defTabSz="914400" eaLnBrk="0" fontAlgn="base" hangingPunct="0">
-              <a:lnSpc>
-                <a:spcPct val="100000"/>
-              </a:lnSpc>
-              <a:spcBef>
-                <a:spcPct val="0"/>
-              </a:spcBef>
-              <a:spcAft>
-                <a:spcPct val="0"/>
-              </a:spcAft>
-              <a:buNone/>
-            </a:pPr>
-            <a:endParaRPr kumimoji="0" lang="de-DE" altLang="de-DE" sz="900" b="0" i="0" u="none" strike="noStrike" cap="none" normalizeH="0" baseline="0" dirty="0">
-              <a:ln>
-                <a:noFill/>
-              </a:ln>
-              <a:solidFill>
-                <a:schemeClr val="tx1"/>
-              </a:solidFill>
-              <a:effectLst/>
-              <a:latin typeface="Arial" panose="020B0604020202020204" pitchFamily="34" charset="0"/>
-            </a:endParaRPr>
-          </a:p>
-          <a:p>
-            <a:pPr marL="0" indent="0" defTabSz="914400" eaLnBrk="0" fontAlgn="base" hangingPunct="0">
-              <a:lnSpc>
-                <a:spcPct val="100000"/>
-              </a:lnSpc>
-              <a:spcBef>
-                <a:spcPct val="0"/>
-              </a:spcBef>
-              <a:spcAft>
-                <a:spcPct val="0"/>
-              </a:spcAft>
-              <a:buNone/>
-            </a:pPr>
-            <a:r>
-              <a:rPr kumimoji="0" lang="de-DE" altLang="de-DE" sz="1400" b="1" i="0" u="none" strike="noStrike" cap="none" normalizeH="0" baseline="0" dirty="0" err="1">
-                <a:ln>
-                  <a:noFill/>
-                </a:ln>
-                <a:solidFill>
-                  <a:schemeClr val="tx1"/>
-                </a:solidFill>
-                <a:effectLst/>
-                <a:latin typeface="Arial" panose="020B0604020202020204" pitchFamily="34" charset="0"/>
-              </a:rPr>
-              <a:t>What</a:t>
-            </a:r>
-            <a:r>
-              <a:rPr kumimoji="0" lang="de-DE" altLang="de-DE" sz="1400" b="1" i="0" u="none" strike="noStrike" cap="none" normalizeH="0" baseline="0" dirty="0">
-                <a:ln>
-                  <a:noFill/>
-                </a:ln>
-                <a:solidFill>
-                  <a:schemeClr val="tx1"/>
-                </a:solidFill>
-                <a:effectLst/>
-                <a:latin typeface="Arial" panose="020B0604020202020204" pitchFamily="34" charset="0"/>
-              </a:rPr>
-              <a:t> </a:t>
-            </a:r>
-            <a:r>
-              <a:rPr kumimoji="0" lang="de-DE" altLang="de-DE" sz="1400" b="1" i="0" u="none" strike="noStrike" cap="none" normalizeH="0" baseline="0" dirty="0" err="1">
-                <a:ln>
-                  <a:noFill/>
-                </a:ln>
-                <a:solidFill>
-                  <a:schemeClr val="tx1"/>
-                </a:solidFill>
-                <a:effectLst/>
-                <a:latin typeface="Arial" panose="020B0604020202020204" pitchFamily="34" charset="0"/>
-              </a:rPr>
-              <a:t>are</a:t>
-            </a:r>
-            <a:r>
-              <a:rPr kumimoji="0" lang="de-DE" altLang="de-DE" sz="1400" b="1" i="0" u="none" strike="noStrike" cap="none" normalizeH="0" baseline="0" dirty="0">
-                <a:ln>
-                  <a:noFill/>
-                </a:ln>
-                <a:solidFill>
-                  <a:schemeClr val="tx1"/>
-                </a:solidFill>
-                <a:effectLst/>
-                <a:latin typeface="Arial" panose="020B0604020202020204" pitchFamily="34" charset="0"/>
-              </a:rPr>
-              <a:t> </a:t>
-            </a:r>
-            <a:r>
-              <a:rPr kumimoji="0" lang="de-DE" altLang="de-DE" sz="1400" b="1" i="0" u="none" strike="noStrike" cap="none" normalizeH="0" baseline="0" dirty="0" err="1">
-                <a:ln>
-                  <a:noFill/>
-                </a:ln>
-                <a:solidFill>
-                  <a:schemeClr val="tx1"/>
-                </a:solidFill>
-                <a:effectLst/>
-                <a:latin typeface="Arial" panose="020B0604020202020204" pitchFamily="34" charset="0"/>
-              </a:rPr>
-              <a:t>common</a:t>
-            </a:r>
-            <a:r>
-              <a:rPr kumimoji="0" lang="de-DE" altLang="de-DE" sz="1400" b="1" i="0" u="none" strike="noStrike" cap="none" normalizeH="0" baseline="0" dirty="0">
-                <a:ln>
-                  <a:noFill/>
-                </a:ln>
-                <a:solidFill>
-                  <a:schemeClr val="tx1"/>
-                </a:solidFill>
-                <a:effectLst/>
-                <a:latin typeface="Arial" panose="020B0604020202020204" pitchFamily="34" charset="0"/>
-              </a:rPr>
-              <a:t> </a:t>
-            </a:r>
-            <a:r>
-              <a:rPr kumimoji="0" lang="de-DE" altLang="de-DE" sz="1400" b="1" i="0" u="none" strike="noStrike" cap="none" normalizeH="0" baseline="0" dirty="0" err="1">
-                <a:ln>
-                  <a:noFill/>
-                </a:ln>
-                <a:solidFill>
-                  <a:schemeClr val="tx1"/>
-                </a:solidFill>
-                <a:effectLst/>
-                <a:latin typeface="Arial" panose="020B0604020202020204" pitchFamily="34" charset="0"/>
-              </a:rPr>
-              <a:t>approaches</a:t>
-            </a:r>
-            <a:r>
-              <a:rPr lang="de-DE" altLang="de-DE" sz="1400" b="1" dirty="0"/>
-              <a:t>/</a:t>
-            </a:r>
-            <a:r>
-              <a:rPr lang="de-DE" altLang="de-DE" sz="1400" b="1" dirty="0" err="1"/>
-              <a:t>models</a:t>
-            </a:r>
-            <a:r>
-              <a:rPr kumimoji="0" lang="de-DE" altLang="de-DE" sz="1400" b="1" i="0" u="none" strike="noStrike" cap="none" normalizeH="0" baseline="0" dirty="0">
-                <a:ln>
-                  <a:noFill/>
-                </a:ln>
-                <a:solidFill>
-                  <a:schemeClr val="tx1"/>
-                </a:solidFill>
-                <a:effectLst/>
-                <a:latin typeface="Arial" panose="020B0604020202020204" pitchFamily="34" charset="0"/>
-              </a:rPr>
-              <a:t>?</a:t>
-            </a:r>
-            <a:endParaRPr lang="de-DE" altLang="de-DE" sz="1400" dirty="0"/>
-          </a:p>
-          <a:p>
-            <a:pPr defTabSz="914400" eaLnBrk="0" fontAlgn="base" hangingPunct="0">
-              <a:lnSpc>
-                <a:spcPct val="100000"/>
-              </a:lnSpc>
-              <a:spcBef>
-                <a:spcPct val="0"/>
-              </a:spcBef>
-              <a:spcAft>
-                <a:spcPct val="0"/>
-              </a:spcAft>
-            </a:pPr>
-            <a:r>
-              <a:rPr kumimoji="0" lang="en-US" altLang="de-DE" sz="1400" b="0" i="0" u="none" strike="noStrike" cap="none" normalizeH="0" baseline="0" dirty="0">
-                <a:ln>
-                  <a:noFill/>
-                </a:ln>
-                <a:solidFill>
-                  <a:schemeClr val="tx1"/>
-                </a:solidFill>
-                <a:effectLst/>
-                <a:latin typeface="Arial" panose="020B0604020202020204" pitchFamily="34" charset="0"/>
-              </a:rPr>
-              <a:t>Traditional Methods:  Naïve Bayes, Decision Trees, Support Vector Machines, Generalized Linear Model</a:t>
-            </a:r>
-          </a:p>
-          <a:p>
-            <a:pPr defTabSz="914400" eaLnBrk="0" fontAlgn="base" hangingPunct="0">
-              <a:lnSpc>
-                <a:spcPct val="100000"/>
-              </a:lnSpc>
-              <a:spcBef>
-                <a:spcPct val="0"/>
-              </a:spcBef>
-              <a:spcAft>
-                <a:spcPct val="0"/>
-              </a:spcAft>
-            </a:pPr>
-            <a:r>
-              <a:rPr lang="en-US" altLang="de-DE" sz="1400" dirty="0"/>
-              <a:t>M</a:t>
-            </a:r>
-            <a:r>
-              <a:rPr kumimoji="0" lang="en-US" altLang="de-DE" sz="1400" b="0" i="0" u="none" strike="noStrike" cap="none" normalizeH="0" baseline="0" dirty="0">
-                <a:ln>
-                  <a:noFill/>
-                </a:ln>
-                <a:solidFill>
-                  <a:schemeClr val="tx1"/>
-                </a:solidFill>
-                <a:effectLst/>
-                <a:latin typeface="Arial" panose="020B0604020202020204" pitchFamily="34" charset="0"/>
-              </a:rPr>
-              <a:t>ore advanced approaches: LSTM, GRU, and CNN</a:t>
-            </a:r>
-          </a:p>
-          <a:p>
-            <a:pPr defTabSz="914400" eaLnBrk="0" fontAlgn="base" hangingPunct="0">
-              <a:lnSpc>
-                <a:spcPct val="100000"/>
-              </a:lnSpc>
-              <a:spcBef>
-                <a:spcPct val="0"/>
-              </a:spcBef>
-              <a:spcAft>
-                <a:spcPct val="0"/>
-              </a:spcAft>
-            </a:pPr>
-            <a:r>
-              <a:rPr lang="en-US" altLang="de-DE" sz="1400" dirty="0"/>
-              <a:t>Word Embeddings (</a:t>
-            </a:r>
-            <a:r>
-              <a:rPr lang="de-AT" sz="1400" dirty="0"/>
-              <a:t>Word2Vec, BERT)</a:t>
-            </a:r>
-          </a:p>
-          <a:p>
-            <a:pPr defTabSz="914400" eaLnBrk="0" fontAlgn="base" hangingPunct="0">
-              <a:lnSpc>
-                <a:spcPct val="100000"/>
-              </a:lnSpc>
-              <a:spcBef>
-                <a:spcPct val="0"/>
-              </a:spcBef>
-              <a:spcAft>
-                <a:spcPct val="0"/>
-              </a:spcAft>
-            </a:pPr>
-            <a:r>
-              <a:rPr kumimoji="0" lang="de-AT" altLang="de-DE" sz="1400" b="0" i="0" u="none" strike="noStrike" cap="none" normalizeH="0" baseline="0" dirty="0">
-                <a:ln>
-                  <a:noFill/>
-                </a:ln>
-                <a:solidFill>
-                  <a:schemeClr val="tx1"/>
-                </a:solidFill>
-                <a:effectLst/>
-                <a:latin typeface="Arial" panose="020B0604020202020204" pitchFamily="34" charset="0"/>
-              </a:rPr>
-              <a:t>Transformer Models (</a:t>
-            </a:r>
-            <a:r>
-              <a:rPr kumimoji="0" lang="de-AT" altLang="de-DE" sz="1400" b="0" i="0" u="none" strike="noStrike" cap="none" normalizeH="0" baseline="0" dirty="0" err="1">
-                <a:ln>
-                  <a:noFill/>
-                </a:ln>
-                <a:solidFill>
-                  <a:schemeClr val="tx1"/>
-                </a:solidFill>
-                <a:effectLst/>
-                <a:latin typeface="Arial" panose="020B0604020202020204" pitchFamily="34" charset="0"/>
-              </a:rPr>
-              <a:t>DistilBERT</a:t>
-            </a:r>
-            <a:r>
-              <a:rPr kumimoji="0" lang="de-AT" altLang="de-DE" sz="1400" b="0" i="0" u="none" strike="noStrike" cap="none" normalizeH="0" baseline="0" dirty="0">
-                <a:ln>
-                  <a:noFill/>
-                </a:ln>
-                <a:solidFill>
-                  <a:schemeClr val="tx1"/>
-                </a:solidFill>
-                <a:effectLst/>
-                <a:latin typeface="Arial" panose="020B0604020202020204" pitchFamily="34" charset="0"/>
-              </a:rPr>
-              <a:t> and </a:t>
-            </a:r>
-            <a:r>
-              <a:rPr kumimoji="0" lang="de-AT" altLang="de-DE" sz="1400" b="0" i="0" u="none" strike="noStrike" cap="none" normalizeH="0" baseline="0" dirty="0" err="1">
-                <a:ln>
-                  <a:noFill/>
-                </a:ln>
-                <a:solidFill>
-                  <a:schemeClr val="tx1"/>
-                </a:solidFill>
-                <a:effectLst/>
-                <a:latin typeface="Arial" panose="020B0604020202020204" pitchFamily="34" charset="0"/>
-              </a:rPr>
-              <a:t>FinBERT</a:t>
-            </a:r>
-            <a:r>
-              <a:rPr kumimoji="0" lang="de-AT" altLang="de-DE" sz="1400" b="0" i="0" u="none" strike="noStrike" cap="none" normalizeH="0" baseline="0" dirty="0">
-                <a:ln>
-                  <a:noFill/>
-                </a:ln>
-                <a:solidFill>
-                  <a:schemeClr val="tx1"/>
-                </a:solidFill>
-                <a:effectLst/>
-                <a:latin typeface="Arial" panose="020B0604020202020204" pitchFamily="34" charset="0"/>
-              </a:rPr>
-              <a:t>)</a:t>
-            </a:r>
-          </a:p>
-          <a:p>
-            <a:pPr defTabSz="914400" eaLnBrk="0" fontAlgn="base" hangingPunct="0">
-              <a:lnSpc>
-                <a:spcPct val="100000"/>
-              </a:lnSpc>
-              <a:spcBef>
-                <a:spcPct val="0"/>
-              </a:spcBef>
-              <a:spcAft>
-                <a:spcPct val="0"/>
-              </a:spcAft>
-            </a:pPr>
-            <a:r>
-              <a:rPr lang="de-AT" altLang="de-DE" sz="1400" dirty="0"/>
-              <a:t>Sentiment </a:t>
-            </a:r>
-            <a:r>
-              <a:rPr lang="de-AT" altLang="de-DE" sz="1400" dirty="0" err="1"/>
-              <a:t>analysis</a:t>
-            </a:r>
-            <a:r>
-              <a:rPr lang="de-AT" altLang="de-DE" sz="1400" dirty="0"/>
-              <a:t> </a:t>
-            </a:r>
-            <a:r>
-              <a:rPr lang="de-AT" altLang="de-DE" sz="1400" dirty="0" err="1"/>
-              <a:t>to</a:t>
-            </a:r>
-            <a:r>
-              <a:rPr lang="de-AT" altLang="de-DE" sz="1400" dirty="0"/>
-              <a:t> </a:t>
-            </a:r>
-            <a:r>
-              <a:rPr lang="de-AT" altLang="de-DE" sz="1400" dirty="0" err="1"/>
-              <a:t>identify</a:t>
-            </a:r>
-            <a:r>
-              <a:rPr lang="de-AT" altLang="de-DE" sz="1400" dirty="0"/>
-              <a:t> </a:t>
-            </a:r>
-            <a:r>
-              <a:rPr lang="de-AT" altLang="de-DE" sz="1400" dirty="0" err="1"/>
-              <a:t>trends</a:t>
-            </a:r>
-            <a:endParaRPr kumimoji="0" lang="en-US" altLang="de-DE" sz="1400" b="0" i="0" u="none" strike="noStrike" cap="none" normalizeH="0" baseline="0" dirty="0">
-              <a:ln>
-                <a:noFill/>
-              </a:ln>
-              <a:solidFill>
-                <a:schemeClr val="tx1"/>
-              </a:solidFill>
-              <a:effectLst/>
-              <a:latin typeface="Arial" panose="020B0604020202020204" pitchFamily="34" charset="0"/>
-            </a:endParaRPr>
-          </a:p>
-          <a:p>
-            <a:pPr marL="0" indent="0" defTabSz="914400" eaLnBrk="0" fontAlgn="base" hangingPunct="0">
-              <a:lnSpc>
-                <a:spcPct val="100000"/>
-              </a:lnSpc>
-              <a:spcBef>
-                <a:spcPct val="0"/>
-              </a:spcBef>
-              <a:spcAft>
-                <a:spcPct val="0"/>
-              </a:spcAft>
-              <a:buNone/>
-            </a:pPr>
-            <a:endParaRPr kumimoji="0" lang="de-DE" altLang="de-DE" sz="1400" b="0" i="0" u="none" strike="noStrike" cap="none" normalizeH="0" baseline="0" dirty="0">
-              <a:ln>
-                <a:noFill/>
-              </a:ln>
-              <a:solidFill>
-                <a:schemeClr val="tx1"/>
-              </a:solidFill>
-              <a:effectLst/>
-              <a:latin typeface="Arial" panose="020B0604020202020204" pitchFamily="34" charset="0"/>
-            </a:endParaRPr>
-          </a:p>
-          <a:p>
-            <a:pPr marL="0" marR="0" lvl="0" indent="0" algn="l" defTabSz="914400" rtl="0" eaLnBrk="0" fontAlgn="base" latinLnBrk="0" hangingPunct="0">
-              <a:lnSpc>
-                <a:spcPct val="100000"/>
-              </a:lnSpc>
-              <a:spcBef>
-                <a:spcPct val="0"/>
-              </a:spcBef>
-              <a:spcAft>
-                <a:spcPct val="0"/>
-              </a:spcAft>
-              <a:buClrTx/>
-              <a:buSzTx/>
-              <a:buNone/>
-              <a:tabLst/>
-            </a:pPr>
-            <a:r>
-              <a:rPr kumimoji="0" lang="de-DE" altLang="de-DE" sz="1400" b="1" i="0" u="none" strike="noStrike" cap="none" normalizeH="0" baseline="0" dirty="0" err="1">
-                <a:ln>
-                  <a:noFill/>
-                </a:ln>
-                <a:solidFill>
-                  <a:schemeClr val="tx1"/>
-                </a:solidFill>
-                <a:effectLst/>
-                <a:latin typeface="Arial" panose="020B0604020202020204" pitchFamily="34" charset="0"/>
-              </a:rPr>
-              <a:t>Similar</a:t>
-            </a:r>
-            <a:r>
-              <a:rPr kumimoji="0" lang="de-DE" altLang="de-DE" sz="1400" b="1" i="0" u="none" strike="noStrike" cap="none" normalizeH="0" baseline="0" dirty="0">
-                <a:ln>
-                  <a:noFill/>
-                </a:ln>
-                <a:solidFill>
-                  <a:schemeClr val="tx1"/>
-                </a:solidFill>
-                <a:effectLst/>
-                <a:latin typeface="Arial" panose="020B0604020202020204" pitchFamily="34" charset="0"/>
-              </a:rPr>
-              <a:t> </a:t>
-            </a:r>
-            <a:r>
-              <a:rPr kumimoji="0" lang="de-DE" altLang="de-DE" sz="1400" b="1" i="0" u="none" strike="noStrike" cap="none" normalizeH="0" baseline="0" dirty="0" err="1">
-                <a:ln>
-                  <a:noFill/>
-                </a:ln>
-                <a:solidFill>
-                  <a:schemeClr val="tx1"/>
-                </a:solidFill>
-                <a:effectLst/>
-                <a:latin typeface="Arial" panose="020B0604020202020204" pitchFamily="34" charset="0"/>
-              </a:rPr>
-              <a:t>work</a:t>
-            </a:r>
-            <a:r>
-              <a:rPr kumimoji="0" lang="de-DE" altLang="de-DE" sz="1400" b="1" i="0" u="none" strike="noStrike" cap="none" normalizeH="0" baseline="0" dirty="0">
-                <a:ln>
-                  <a:noFill/>
-                </a:ln>
-                <a:solidFill>
-                  <a:schemeClr val="tx1"/>
-                </a:solidFill>
-                <a:effectLst/>
-                <a:latin typeface="Arial" panose="020B0604020202020204" pitchFamily="34" charset="0"/>
-              </a:rPr>
-              <a:t> and </a:t>
-            </a:r>
-            <a:r>
-              <a:rPr kumimoji="0" lang="de-DE" altLang="de-DE" sz="1400" b="1" i="0" u="none" strike="noStrike" cap="none" normalizeH="0" baseline="0" dirty="0" err="1">
-                <a:ln>
-                  <a:noFill/>
-                </a:ln>
-                <a:solidFill>
-                  <a:schemeClr val="tx1"/>
-                </a:solidFill>
-                <a:effectLst/>
-                <a:latin typeface="Arial" panose="020B0604020202020204" pitchFamily="34" charset="0"/>
-              </a:rPr>
-              <a:t>differences</a:t>
-            </a:r>
-            <a:r>
-              <a:rPr kumimoji="0" lang="de-DE" altLang="de-DE" sz="1400" b="1" i="0" u="none" strike="noStrike" cap="none" normalizeH="0" baseline="0" dirty="0">
-                <a:ln>
-                  <a:noFill/>
-                </a:ln>
-                <a:solidFill>
-                  <a:schemeClr val="tx1"/>
-                </a:solidFill>
-                <a:effectLst/>
-                <a:latin typeface="Arial" panose="020B0604020202020204" pitchFamily="34" charset="0"/>
-              </a:rPr>
-              <a:t> </a:t>
-            </a:r>
-            <a:r>
-              <a:rPr kumimoji="0" lang="de-DE" altLang="de-DE" sz="1400" b="1" i="0" u="none" strike="noStrike" cap="none" normalizeH="0" baseline="0" dirty="0" err="1">
-                <a:ln>
-                  <a:noFill/>
-                </a:ln>
-                <a:solidFill>
-                  <a:schemeClr val="tx1"/>
-                </a:solidFill>
-                <a:effectLst/>
-                <a:latin typeface="Arial" panose="020B0604020202020204" pitchFamily="34" charset="0"/>
-              </a:rPr>
-              <a:t>from</a:t>
-            </a:r>
-            <a:r>
-              <a:rPr kumimoji="0" lang="de-DE" altLang="de-DE" sz="1400" b="1" i="0" u="none" strike="noStrike" cap="none" normalizeH="0" baseline="0" dirty="0">
-                <a:ln>
-                  <a:noFill/>
-                </a:ln>
-                <a:solidFill>
-                  <a:schemeClr val="tx1"/>
-                </a:solidFill>
-                <a:effectLst/>
-                <a:latin typeface="Arial" panose="020B0604020202020204" pitchFamily="34" charset="0"/>
-              </a:rPr>
-              <a:t> </a:t>
-            </a:r>
-            <a:r>
-              <a:rPr kumimoji="0" lang="de-DE" altLang="de-DE" sz="1400" b="1" i="0" u="none" strike="noStrike" cap="none" normalizeH="0" baseline="0" dirty="0" err="1">
-                <a:ln>
-                  <a:noFill/>
-                </a:ln>
-                <a:solidFill>
-                  <a:schemeClr val="tx1"/>
-                </a:solidFill>
-                <a:effectLst/>
-                <a:latin typeface="Arial" panose="020B0604020202020204" pitchFamily="34" charset="0"/>
-              </a:rPr>
-              <a:t>ours</a:t>
-            </a:r>
-            <a:r>
-              <a:rPr kumimoji="0" lang="de-DE" altLang="de-DE" sz="1400" b="1" i="0" u="none" strike="noStrike" cap="none" normalizeH="0" baseline="0" dirty="0">
-                <a:ln>
-                  <a:noFill/>
-                </a:ln>
-                <a:solidFill>
-                  <a:schemeClr val="tx1"/>
-                </a:solidFill>
-                <a:effectLst/>
-                <a:latin typeface="Arial" panose="020B0604020202020204" pitchFamily="34" charset="0"/>
-              </a:rPr>
-              <a:t>?</a:t>
-            </a:r>
-            <a:br>
-              <a:rPr kumimoji="0" lang="de-DE" altLang="de-DE" sz="1600" b="0" i="0" u="none" strike="noStrike" cap="none" normalizeH="0" baseline="0" dirty="0">
-                <a:ln>
-                  <a:noFill/>
-                </a:ln>
-                <a:solidFill>
-                  <a:schemeClr val="tx1"/>
-                </a:solidFill>
-                <a:effectLst/>
-                <a:latin typeface="Arial" panose="020B0604020202020204" pitchFamily="34" charset="0"/>
-              </a:rPr>
-            </a:br>
-            <a:r>
-              <a:rPr kumimoji="0" lang="en-US" altLang="de-DE" sz="1400" b="0" i="0" u="none" strike="noStrike" cap="none" normalizeH="0" baseline="0" dirty="0">
-                <a:ln>
-                  <a:noFill/>
-                </a:ln>
-                <a:solidFill>
-                  <a:schemeClr val="tx1"/>
-                </a:solidFill>
-                <a:effectLst/>
-                <a:latin typeface="Arial" panose="020B0604020202020204" pitchFamily="34" charset="0"/>
-              </a:rPr>
-              <a:t>Existing research has explored the categorization of customer complaints, particularly through the use of NLP techniques to analyze text. However, our work……</a:t>
-            </a:r>
-            <a:endParaRPr kumimoji="0" lang="de-DE" altLang="de-DE" sz="1600" b="0" i="0" u="none" strike="noStrike" cap="none" normalizeH="0" baseline="0" dirty="0">
-              <a:ln>
-                <a:noFill/>
-              </a:ln>
-              <a:solidFill>
-                <a:schemeClr val="tx1"/>
-              </a:solidFill>
-              <a:effectLst/>
-              <a:latin typeface="Arial" panose="020B0604020202020204" pitchFamily="34" charset="0"/>
-            </a:endParaRPr>
-          </a:p>
-        </p:txBody>
-      </p:sp>
     </p:spTree>
     <p:extLst>
       <p:ext uri="{BB962C8B-B14F-4D97-AF65-F5344CB8AC3E}">
-        <p14:creationId xmlns:p14="http://schemas.microsoft.com/office/powerpoint/2010/main" val="1029396274"/>
+        <p14:creationId xmlns:p14="http://schemas.microsoft.com/office/powerpoint/2010/main" val="1068776065"/>
       </p:ext>
     </p:extLst>
   </p:cSld>
@@ -6673,7 +6150,7 @@
           <p:cNvPr id="6" name="Titel 5">
             <a:extLst>
               <a:ext uri="{FF2B5EF4-FFF2-40B4-BE49-F238E27FC236}">
-                <a16:creationId xmlns:a16="http://schemas.microsoft.com/office/drawing/2014/main" id="{6A4FD04E-F4E5-4C20-8824-ED6C28B10A98}"/>
+                <a16:creationId xmlns:a16="http://schemas.microsoft.com/office/drawing/2014/main" id="{50803CD6-09DC-4143-8EFF-1E428159926C}"/>
               </a:ext>
             </a:extLst>
           </p:cNvPr>
@@ -6693,6 +6170,1096 @@
           <a:p>
             <a:r>
               <a:rPr lang="en-US" dirty="0"/>
+              <a:t>State of the Art / Related work</a:t>
+            </a:r>
+          </a:p>
+        </p:txBody>
+      </p:sp>
+      <p:sp>
+        <p:nvSpPr>
+          <p:cNvPr id="4" name="Fußzeilenplatzhalter 3">
+            <a:extLst>
+              <a:ext uri="{FF2B5EF4-FFF2-40B4-BE49-F238E27FC236}">
+                <a16:creationId xmlns:a16="http://schemas.microsoft.com/office/drawing/2014/main" id="{DE26B2AA-2CE4-4629-8E28-AA9263ED9B5E}"/>
+              </a:ext>
+              <a:ext uri="{C183D7F6-B498-43B3-948B-1728B52AA6E4}">
+                <adec:decorative xmlns:adec="http://schemas.microsoft.com/office/drawing/2017/decorative" val="1"/>
+              </a:ext>
+            </a:extLst>
+          </p:cNvPr>
+          <p:cNvSpPr>
+            <a:spLocks noGrp="1"/>
+          </p:cNvSpPr>
+          <p:nvPr>
+            <p:ph type="ftr" sz="quarter" idx="13"/>
+          </p:nvPr>
+        </p:nvSpPr>
+        <p:spPr>
+          <a:xfrm>
+            <a:off x="1768839" y="4812504"/>
+            <a:ext cx="6698713" cy="273844"/>
+          </a:xfrm>
+        </p:spPr>
+        <p:txBody>
+          <a:bodyPr/>
+          <a:lstStyle/>
+          <a:p>
+            <a:r>
+              <a:rPr lang="en-US" dirty="0"/>
+              <a:t>Text classification of Consumer Complaints</a:t>
+            </a:r>
+            <a:r>
+              <a:rPr lang="en-GB" dirty="0"/>
+              <a:t> | </a:t>
+            </a:r>
+            <a:r>
+              <a:rPr lang="de-AT" noProof="0" dirty="0"/>
+              <a:t>Jasia Alam, Michaela Hubweber, Kathrin Schumich, Florian </a:t>
+            </a:r>
+            <a:r>
+              <a:rPr lang="de-AT" noProof="0" dirty="0" err="1"/>
+              <a:t>Ye</a:t>
+            </a:r>
+            <a:r>
+              <a:rPr lang="de-AT" noProof="0" dirty="0"/>
+              <a:t> </a:t>
+            </a:r>
+            <a:r>
+              <a:rPr lang="en-GB" dirty="0"/>
+              <a:t> | 03.10.2024</a:t>
+            </a:r>
+          </a:p>
+        </p:txBody>
+      </p:sp>
+      <p:sp>
+        <p:nvSpPr>
+          <p:cNvPr id="5" name="Foliennummernplatzhalter 4">
+            <a:extLst>
+              <a:ext uri="{FF2B5EF4-FFF2-40B4-BE49-F238E27FC236}">
+                <a16:creationId xmlns:a16="http://schemas.microsoft.com/office/drawing/2014/main" id="{72B704B6-27A5-4159-A557-675FBE4CF205}"/>
+              </a:ext>
+              <a:ext uri="{C183D7F6-B498-43B3-948B-1728B52AA6E4}">
+                <adec:decorative xmlns:adec="http://schemas.microsoft.com/office/drawing/2017/decorative" val="1"/>
+              </a:ext>
+            </a:extLst>
+          </p:cNvPr>
+          <p:cNvSpPr>
+            <a:spLocks noGrp="1"/>
+          </p:cNvSpPr>
+          <p:nvPr>
+            <p:ph type="sldNum" sz="quarter" idx="14"/>
+          </p:nvPr>
+        </p:nvSpPr>
+        <p:spPr>
+          <a:xfrm>
+            <a:off x="8542066" y="4812504"/>
+            <a:ext cx="485255" cy="273844"/>
+          </a:xfrm>
+        </p:spPr>
+        <p:txBody>
+          <a:bodyPr/>
+          <a:lstStyle/>
+          <a:p>
+            <a:fld id="{9C057DB4-583E-41A7-BD94-987342018C17}" type="slidenum">
+              <a:rPr lang="en-GB" smtClean="0"/>
+              <a:pPr/>
+              <a:t>3</a:t>
+            </a:fld>
+            <a:endParaRPr lang="en-GB" dirty="0"/>
+          </a:p>
+        </p:txBody>
+      </p:sp>
+      <p:sp>
+        <p:nvSpPr>
+          <p:cNvPr id="9" name="Rectangle 4">
+            <a:extLst>
+              <a:ext uri="{FF2B5EF4-FFF2-40B4-BE49-F238E27FC236}">
+                <a16:creationId xmlns:a16="http://schemas.microsoft.com/office/drawing/2014/main" id="{F2B47335-4834-BCB4-F36C-51626A141EC5}"/>
+              </a:ext>
+            </a:extLst>
+          </p:cNvPr>
+          <p:cNvSpPr>
+            <a:spLocks noGrp="1" noChangeArrowheads="1"/>
+          </p:cNvSpPr>
+          <p:nvPr>
+            <p:ph type="body" sz="quarter" idx="15"/>
+          </p:nvPr>
+        </p:nvSpPr>
+        <p:spPr bwMode="auto">
+          <a:xfrm>
+            <a:off x="93157" y="830455"/>
+            <a:ext cx="8638614" cy="3677930"/>
+          </a:xfrm>
+          <a:prstGeom prst="rect">
+            <a:avLst/>
+          </a:prstGeom>
+          <a:noFill/>
+          <a:ln>
+            <a:noFill/>
+          </a:ln>
+          <a:effectLst/>
+          <a:extLst>
+            <a:ext uri="{909E8E84-426E-40DD-AFC4-6F175D3DCCD1}">
+              <a14:hiddenFill xmlns:a14="http://schemas.microsoft.com/office/drawing/2010/main">
+                <a:solidFill>
+                  <a:schemeClr val="accent1"/>
+                </a:solidFill>
+              </a14:hiddenFill>
+            </a:ext>
+            <a:ext uri="{91240B29-F687-4F45-9708-019B960494DF}">
+              <a14:hiddenLine xmlns:a14="http://schemas.microsoft.com/office/drawing/2010/main" w="9525">
+                <a:solidFill>
+                  <a:schemeClr val="tx1"/>
+                </a:solidFill>
+                <a:miter lim="800000"/>
+                <a:headEnd/>
+                <a:tailEnd/>
+              </a14:hiddenLine>
+            </a:ext>
+            <a:ext uri="{AF507438-7753-43E0-B8FC-AC1667EBCBE1}">
+              <a14:hiddenEffects xmlns:a14="http://schemas.microsoft.com/office/drawing/2010/main">
+                <a:effectLst>
+                  <a:outerShdw dist="35921" dir="2700000" algn="ctr" rotWithShape="0">
+                    <a:schemeClr val="bg2"/>
+                  </a:outerShdw>
+                </a:effectLst>
+              </a14:hiddenEffects>
+            </a:ext>
+          </a:extLst>
+        </p:spPr>
+        <p:txBody>
+          <a:bodyPr vert="horz" wrap="square" lIns="91440" tIns="45720" rIns="91440" bIns="45720" numCol="1" anchor="ctr" anchorCtr="0" compatLnSpc="1">
+            <a:prstTxWarp prst="textNoShape">
+              <a:avLst/>
+            </a:prstTxWarp>
+            <a:spAutoFit/>
+          </a:bodyPr>
+          <a:lstStyle/>
+          <a:p>
+            <a:pPr marL="0" indent="0" defTabSz="914400" eaLnBrk="0" fontAlgn="base" hangingPunct="0">
+              <a:lnSpc>
+                <a:spcPct val="100000"/>
+              </a:lnSpc>
+              <a:spcBef>
+                <a:spcPct val="0"/>
+              </a:spcBef>
+              <a:spcAft>
+                <a:spcPct val="0"/>
+              </a:spcAft>
+              <a:buNone/>
+            </a:pPr>
+            <a:r>
+              <a:rPr kumimoji="0" lang="de-DE" altLang="de-DE" sz="1400" b="1" i="0" u="none" strike="noStrike" cap="none" normalizeH="0" baseline="0" dirty="0" err="1">
+                <a:ln>
+                  <a:noFill/>
+                </a:ln>
+                <a:solidFill>
+                  <a:schemeClr val="tx1"/>
+                </a:solidFill>
+                <a:effectLst/>
+                <a:latin typeface="Arial" panose="020B0604020202020204" pitchFamily="34" charset="0"/>
+              </a:rPr>
+              <a:t>What</a:t>
+            </a:r>
+            <a:r>
+              <a:rPr kumimoji="0" lang="de-DE" altLang="de-DE" sz="1400" b="1" i="0" u="none" strike="noStrike" cap="none" normalizeH="0" baseline="0" dirty="0">
+                <a:ln>
+                  <a:noFill/>
+                </a:ln>
+                <a:solidFill>
+                  <a:schemeClr val="tx1"/>
+                </a:solidFill>
+                <a:effectLst/>
+                <a:latin typeface="Arial" panose="020B0604020202020204" pitchFamily="34" charset="0"/>
+              </a:rPr>
+              <a:t> </a:t>
+            </a:r>
+            <a:r>
+              <a:rPr kumimoji="0" lang="de-DE" altLang="de-DE" sz="1400" b="1" i="0" u="none" strike="noStrike" cap="none" normalizeH="0" baseline="0" dirty="0" err="1">
+                <a:ln>
+                  <a:noFill/>
+                </a:ln>
+                <a:solidFill>
+                  <a:schemeClr val="tx1"/>
+                </a:solidFill>
+                <a:effectLst/>
+                <a:latin typeface="Arial" panose="020B0604020202020204" pitchFamily="34" charset="0"/>
+              </a:rPr>
+              <a:t>has</a:t>
+            </a:r>
+            <a:r>
+              <a:rPr kumimoji="0" lang="de-DE" altLang="de-DE" sz="1400" b="1" i="0" u="none" strike="noStrike" cap="none" normalizeH="0" baseline="0" dirty="0">
+                <a:ln>
+                  <a:noFill/>
+                </a:ln>
+                <a:solidFill>
+                  <a:schemeClr val="tx1"/>
+                </a:solidFill>
+                <a:effectLst/>
+                <a:latin typeface="Arial" panose="020B0604020202020204" pitchFamily="34" charset="0"/>
+              </a:rPr>
+              <a:t> </a:t>
+            </a:r>
+            <a:r>
+              <a:rPr kumimoji="0" lang="de-DE" altLang="de-DE" sz="1400" b="1" i="0" u="none" strike="noStrike" cap="none" normalizeH="0" baseline="0" dirty="0" err="1">
+                <a:ln>
+                  <a:noFill/>
+                </a:ln>
+                <a:solidFill>
+                  <a:schemeClr val="tx1"/>
+                </a:solidFill>
+                <a:effectLst/>
+                <a:latin typeface="Arial" panose="020B0604020202020204" pitchFamily="34" charset="0"/>
+              </a:rPr>
+              <a:t>been</a:t>
+            </a:r>
+            <a:r>
+              <a:rPr kumimoji="0" lang="de-DE" altLang="de-DE" sz="1400" b="1" i="0" u="none" strike="noStrike" cap="none" normalizeH="0" baseline="0" dirty="0">
+                <a:ln>
+                  <a:noFill/>
+                </a:ln>
+                <a:solidFill>
+                  <a:schemeClr val="tx1"/>
+                </a:solidFill>
+                <a:effectLst/>
+                <a:latin typeface="Arial" panose="020B0604020202020204" pitchFamily="34" charset="0"/>
+              </a:rPr>
+              <a:t> </a:t>
+            </a:r>
+            <a:r>
+              <a:rPr kumimoji="0" lang="de-DE" altLang="de-DE" sz="1400" b="1" i="0" u="none" strike="noStrike" cap="none" normalizeH="0" baseline="0" dirty="0" err="1">
+                <a:ln>
+                  <a:noFill/>
+                </a:ln>
+                <a:solidFill>
+                  <a:schemeClr val="tx1"/>
+                </a:solidFill>
+                <a:effectLst/>
+                <a:latin typeface="Arial" panose="020B0604020202020204" pitchFamily="34" charset="0"/>
+              </a:rPr>
+              <a:t>researched</a:t>
+            </a:r>
+            <a:r>
+              <a:rPr kumimoji="0" lang="de-DE" altLang="de-DE" sz="1400" b="1" i="0" u="none" strike="noStrike" cap="none" normalizeH="0" baseline="0" dirty="0">
+                <a:ln>
+                  <a:noFill/>
+                </a:ln>
+                <a:solidFill>
+                  <a:schemeClr val="tx1"/>
+                </a:solidFill>
+                <a:effectLst/>
+                <a:latin typeface="Arial" panose="020B0604020202020204" pitchFamily="34" charset="0"/>
+              </a:rPr>
+              <a:t> so </a:t>
+            </a:r>
+            <a:r>
+              <a:rPr kumimoji="0" lang="de-DE" altLang="de-DE" sz="1400" b="1" i="0" u="none" strike="noStrike" cap="none" normalizeH="0" baseline="0" dirty="0" err="1">
+                <a:ln>
+                  <a:noFill/>
+                </a:ln>
+                <a:solidFill>
+                  <a:schemeClr val="tx1"/>
+                </a:solidFill>
+                <a:effectLst/>
+                <a:latin typeface="Arial" panose="020B0604020202020204" pitchFamily="34" charset="0"/>
+              </a:rPr>
+              <a:t>far</a:t>
+            </a:r>
+            <a:r>
+              <a:rPr kumimoji="0" lang="de-DE" altLang="de-DE" sz="1400" b="1" i="0" u="none" strike="noStrike" cap="none" normalizeH="0" baseline="0" dirty="0">
+                <a:ln>
+                  <a:noFill/>
+                </a:ln>
+                <a:solidFill>
+                  <a:schemeClr val="tx1"/>
+                </a:solidFill>
+                <a:effectLst/>
+                <a:latin typeface="Arial" panose="020B0604020202020204" pitchFamily="34" charset="0"/>
+              </a:rPr>
+              <a:t>?</a:t>
+            </a:r>
+            <a:endParaRPr lang="de-DE" altLang="de-DE" sz="1400" dirty="0"/>
+          </a:p>
+          <a:p>
+            <a:pPr defTabSz="914400" eaLnBrk="0" fontAlgn="base" hangingPunct="0">
+              <a:lnSpc>
+                <a:spcPct val="100000"/>
+              </a:lnSpc>
+              <a:spcBef>
+                <a:spcPct val="0"/>
+              </a:spcBef>
+              <a:spcAft>
+                <a:spcPct val="0"/>
+              </a:spcAft>
+            </a:pPr>
+            <a:r>
+              <a:rPr lang="en-US" altLang="de-DE" sz="1400" dirty="0"/>
+              <a:t>C</a:t>
+            </a:r>
+            <a:r>
+              <a:rPr kumimoji="0" lang="en-US" altLang="de-DE" sz="1400" b="0" i="0" u="none" strike="noStrike" cap="none" normalizeH="0" baseline="0" dirty="0">
+                <a:ln>
+                  <a:noFill/>
+                </a:ln>
+                <a:solidFill>
+                  <a:schemeClr val="tx1"/>
+                </a:solidFill>
+                <a:effectLst/>
+                <a:latin typeface="Arial" panose="020B0604020202020204" pitchFamily="34" charset="0"/>
+              </a:rPr>
+              <a:t>lassifying customer complaints into predefined categories using advanced NLP techniques</a:t>
+            </a:r>
+          </a:p>
+          <a:p>
+            <a:pPr defTabSz="914400" eaLnBrk="0" fontAlgn="base" hangingPunct="0">
+              <a:lnSpc>
+                <a:spcPct val="100000"/>
+              </a:lnSpc>
+              <a:spcBef>
+                <a:spcPct val="0"/>
+              </a:spcBef>
+              <a:spcAft>
+                <a:spcPct val="0"/>
+              </a:spcAft>
+            </a:pPr>
+            <a:r>
+              <a:rPr lang="en-US" altLang="de-DE" sz="1400" dirty="0"/>
+              <a:t>V</a:t>
+            </a:r>
+            <a:r>
+              <a:rPr kumimoji="0" lang="en-US" altLang="de-DE" sz="1400" b="0" i="0" u="none" strike="noStrike" cap="none" normalizeH="0" baseline="0" dirty="0">
+                <a:ln>
+                  <a:noFill/>
+                </a:ln>
+                <a:solidFill>
+                  <a:schemeClr val="tx1"/>
+                </a:solidFill>
+                <a:effectLst/>
+                <a:latin typeface="Arial" panose="020B0604020202020204" pitchFamily="34" charset="0"/>
+              </a:rPr>
+              <a:t>arious machine learning and deep learning techniques</a:t>
+            </a:r>
+          </a:p>
+          <a:p>
+            <a:pPr defTabSz="914400" eaLnBrk="0" fontAlgn="base" hangingPunct="0">
+              <a:lnSpc>
+                <a:spcPct val="100000"/>
+              </a:lnSpc>
+              <a:spcBef>
+                <a:spcPct val="0"/>
+              </a:spcBef>
+              <a:spcAft>
+                <a:spcPct val="0"/>
+              </a:spcAft>
+            </a:pPr>
+            <a:r>
+              <a:rPr kumimoji="0" lang="en-US" altLang="de-DE" sz="1400" b="0" i="0" u="none" strike="noStrike" cap="none" normalizeH="0" baseline="0" dirty="0">
+                <a:ln>
+                  <a:noFill/>
+                </a:ln>
+                <a:solidFill>
+                  <a:schemeClr val="tx1"/>
+                </a:solidFill>
+                <a:effectLst/>
+                <a:latin typeface="Arial" panose="020B0604020202020204" pitchFamily="34" charset="0"/>
+              </a:rPr>
+              <a:t>Word embeddings to capture semantic relationships in complaint texts</a:t>
+            </a:r>
+          </a:p>
+          <a:p>
+            <a:pPr defTabSz="914400" eaLnBrk="0" fontAlgn="base" hangingPunct="0">
+              <a:lnSpc>
+                <a:spcPct val="100000"/>
+              </a:lnSpc>
+              <a:spcBef>
+                <a:spcPct val="0"/>
+              </a:spcBef>
+              <a:spcAft>
+                <a:spcPct val="0"/>
+              </a:spcAft>
+            </a:pPr>
+            <a:r>
+              <a:rPr kumimoji="0" lang="en-US" altLang="de-DE" sz="1400" b="0" i="0" u="none" strike="noStrike" cap="none" normalizeH="0" baseline="0" dirty="0">
+                <a:ln>
+                  <a:noFill/>
+                </a:ln>
+                <a:solidFill>
+                  <a:schemeClr val="tx1"/>
+                </a:solidFill>
+                <a:effectLst/>
+                <a:latin typeface="Arial" panose="020B0604020202020204" pitchFamily="34" charset="0"/>
+              </a:rPr>
+              <a:t>Studies</a:t>
+            </a:r>
+            <a:r>
+              <a:rPr lang="en-US" altLang="de-DE" sz="1400" dirty="0"/>
+              <a:t> </a:t>
+            </a:r>
+            <a:r>
+              <a:rPr kumimoji="0" lang="en-US" altLang="de-DE" sz="1400" b="0" i="0" u="none" strike="noStrike" cap="none" normalizeH="0" baseline="0" dirty="0">
+                <a:ln>
+                  <a:noFill/>
+                </a:ln>
+                <a:solidFill>
+                  <a:schemeClr val="tx1"/>
+                </a:solidFill>
+                <a:effectLst/>
+                <a:latin typeface="Arial" panose="020B0604020202020204" pitchFamily="34" charset="0"/>
+              </a:rPr>
+              <a:t>show high accuracy in categorizing consumer complaints based on text</a:t>
+            </a:r>
+          </a:p>
+          <a:p>
+            <a:pPr defTabSz="914400" eaLnBrk="0" fontAlgn="base" hangingPunct="0">
+              <a:lnSpc>
+                <a:spcPct val="100000"/>
+              </a:lnSpc>
+              <a:spcBef>
+                <a:spcPct val="0"/>
+              </a:spcBef>
+              <a:spcAft>
+                <a:spcPct val="0"/>
+              </a:spcAft>
+            </a:pPr>
+            <a:r>
+              <a:rPr kumimoji="0" lang="en-US" altLang="de-DE" sz="1400" b="0" i="0" u="none" strike="noStrike" cap="none" normalizeH="0" baseline="0" dirty="0">
+                <a:ln>
+                  <a:noFill/>
+                </a:ln>
+                <a:solidFill>
+                  <a:schemeClr val="tx1"/>
+                </a:solidFill>
+                <a:effectLst/>
+                <a:latin typeface="Arial" panose="020B0604020202020204" pitchFamily="34" charset="0"/>
+              </a:rPr>
+              <a:t>Some approaches also use dimensionality reduction for better data visualization and grouping</a:t>
+            </a:r>
+            <a:endParaRPr lang="de-DE" altLang="de-DE" sz="1400" dirty="0"/>
+          </a:p>
+          <a:p>
+            <a:pPr marL="0" indent="0" defTabSz="914400" eaLnBrk="0" fontAlgn="base" hangingPunct="0">
+              <a:lnSpc>
+                <a:spcPct val="100000"/>
+              </a:lnSpc>
+              <a:spcBef>
+                <a:spcPct val="0"/>
+              </a:spcBef>
+              <a:spcAft>
+                <a:spcPct val="0"/>
+              </a:spcAft>
+              <a:buNone/>
+            </a:pPr>
+            <a:endParaRPr kumimoji="0" lang="de-DE" altLang="de-DE" sz="900" b="0" i="0" u="none" strike="noStrike" cap="none" normalizeH="0" baseline="0" dirty="0">
+              <a:ln>
+                <a:noFill/>
+              </a:ln>
+              <a:solidFill>
+                <a:schemeClr val="tx1"/>
+              </a:solidFill>
+              <a:effectLst/>
+              <a:latin typeface="Arial" panose="020B0604020202020204" pitchFamily="34" charset="0"/>
+            </a:endParaRPr>
+          </a:p>
+          <a:p>
+            <a:pPr marL="0" indent="0" defTabSz="914400" eaLnBrk="0" fontAlgn="base" hangingPunct="0">
+              <a:lnSpc>
+                <a:spcPct val="100000"/>
+              </a:lnSpc>
+              <a:spcBef>
+                <a:spcPct val="0"/>
+              </a:spcBef>
+              <a:spcAft>
+                <a:spcPct val="0"/>
+              </a:spcAft>
+              <a:buNone/>
+            </a:pPr>
+            <a:r>
+              <a:rPr kumimoji="0" lang="de-DE" altLang="de-DE" sz="1400" b="1" i="0" u="none" strike="noStrike" cap="none" normalizeH="0" baseline="0" dirty="0" err="1">
+                <a:ln>
+                  <a:noFill/>
+                </a:ln>
+                <a:solidFill>
+                  <a:schemeClr val="tx1"/>
+                </a:solidFill>
+                <a:effectLst/>
+                <a:latin typeface="Arial" panose="020B0604020202020204" pitchFamily="34" charset="0"/>
+              </a:rPr>
+              <a:t>What</a:t>
+            </a:r>
+            <a:r>
+              <a:rPr kumimoji="0" lang="de-DE" altLang="de-DE" sz="1400" b="1" i="0" u="none" strike="noStrike" cap="none" normalizeH="0" baseline="0" dirty="0">
+                <a:ln>
+                  <a:noFill/>
+                </a:ln>
+                <a:solidFill>
+                  <a:schemeClr val="tx1"/>
+                </a:solidFill>
+                <a:effectLst/>
+                <a:latin typeface="Arial" panose="020B0604020202020204" pitchFamily="34" charset="0"/>
+              </a:rPr>
+              <a:t> </a:t>
+            </a:r>
+            <a:r>
+              <a:rPr kumimoji="0" lang="de-DE" altLang="de-DE" sz="1400" b="1" i="0" u="none" strike="noStrike" cap="none" normalizeH="0" baseline="0" dirty="0" err="1">
+                <a:ln>
+                  <a:noFill/>
+                </a:ln>
+                <a:solidFill>
+                  <a:schemeClr val="tx1"/>
+                </a:solidFill>
+                <a:effectLst/>
+                <a:latin typeface="Arial" panose="020B0604020202020204" pitchFamily="34" charset="0"/>
+              </a:rPr>
+              <a:t>are</a:t>
+            </a:r>
+            <a:r>
+              <a:rPr kumimoji="0" lang="de-DE" altLang="de-DE" sz="1400" b="1" i="0" u="none" strike="noStrike" cap="none" normalizeH="0" baseline="0" dirty="0">
+                <a:ln>
+                  <a:noFill/>
+                </a:ln>
+                <a:solidFill>
+                  <a:schemeClr val="tx1"/>
+                </a:solidFill>
+                <a:effectLst/>
+                <a:latin typeface="Arial" panose="020B0604020202020204" pitchFamily="34" charset="0"/>
+              </a:rPr>
+              <a:t> </a:t>
+            </a:r>
+            <a:r>
+              <a:rPr kumimoji="0" lang="de-DE" altLang="de-DE" sz="1400" b="1" i="0" u="none" strike="noStrike" cap="none" normalizeH="0" baseline="0" dirty="0" err="1">
+                <a:ln>
+                  <a:noFill/>
+                </a:ln>
+                <a:solidFill>
+                  <a:schemeClr val="tx1"/>
+                </a:solidFill>
+                <a:effectLst/>
+                <a:latin typeface="Arial" panose="020B0604020202020204" pitchFamily="34" charset="0"/>
+              </a:rPr>
+              <a:t>common</a:t>
+            </a:r>
+            <a:r>
+              <a:rPr kumimoji="0" lang="de-DE" altLang="de-DE" sz="1400" b="1" i="0" u="none" strike="noStrike" cap="none" normalizeH="0" baseline="0" dirty="0">
+                <a:ln>
+                  <a:noFill/>
+                </a:ln>
+                <a:solidFill>
+                  <a:schemeClr val="tx1"/>
+                </a:solidFill>
+                <a:effectLst/>
+                <a:latin typeface="Arial" panose="020B0604020202020204" pitchFamily="34" charset="0"/>
+              </a:rPr>
+              <a:t> </a:t>
+            </a:r>
+            <a:r>
+              <a:rPr kumimoji="0" lang="de-DE" altLang="de-DE" sz="1400" b="1" i="0" u="none" strike="noStrike" cap="none" normalizeH="0" baseline="0" dirty="0" err="1">
+                <a:ln>
+                  <a:noFill/>
+                </a:ln>
+                <a:solidFill>
+                  <a:schemeClr val="tx1"/>
+                </a:solidFill>
+                <a:effectLst/>
+                <a:latin typeface="Arial" panose="020B0604020202020204" pitchFamily="34" charset="0"/>
+              </a:rPr>
+              <a:t>approaches</a:t>
+            </a:r>
+            <a:r>
+              <a:rPr lang="de-DE" altLang="de-DE" sz="1400" b="1" dirty="0"/>
+              <a:t>/</a:t>
+            </a:r>
+            <a:r>
+              <a:rPr lang="de-DE" altLang="de-DE" sz="1400" b="1" dirty="0" err="1"/>
+              <a:t>models</a:t>
+            </a:r>
+            <a:r>
+              <a:rPr kumimoji="0" lang="de-DE" altLang="de-DE" sz="1400" b="1" i="0" u="none" strike="noStrike" cap="none" normalizeH="0" baseline="0" dirty="0">
+                <a:ln>
+                  <a:noFill/>
+                </a:ln>
+                <a:solidFill>
+                  <a:schemeClr val="tx1"/>
+                </a:solidFill>
+                <a:effectLst/>
+                <a:latin typeface="Arial" panose="020B0604020202020204" pitchFamily="34" charset="0"/>
+              </a:rPr>
+              <a:t>?</a:t>
+            </a:r>
+            <a:endParaRPr lang="de-DE" altLang="de-DE" sz="1400" dirty="0"/>
+          </a:p>
+          <a:p>
+            <a:pPr defTabSz="914400" eaLnBrk="0" fontAlgn="base" hangingPunct="0">
+              <a:lnSpc>
+                <a:spcPct val="100000"/>
+              </a:lnSpc>
+              <a:spcBef>
+                <a:spcPct val="0"/>
+              </a:spcBef>
+              <a:spcAft>
+                <a:spcPct val="0"/>
+              </a:spcAft>
+            </a:pPr>
+            <a:r>
+              <a:rPr kumimoji="0" lang="en-US" altLang="de-DE" sz="1400" b="0" i="0" u="none" strike="noStrike" cap="none" normalizeH="0" baseline="0" dirty="0">
+                <a:ln>
+                  <a:noFill/>
+                </a:ln>
+                <a:solidFill>
+                  <a:schemeClr val="tx1"/>
+                </a:solidFill>
+                <a:effectLst/>
+                <a:latin typeface="Arial" panose="020B0604020202020204" pitchFamily="34" charset="0"/>
+              </a:rPr>
+              <a:t>Traditional Methods:  Naïve Bayes, Decision Trees, Support Vector Machines, Generalized Linear Model</a:t>
+            </a:r>
+          </a:p>
+          <a:p>
+            <a:pPr defTabSz="914400" eaLnBrk="0" fontAlgn="base" hangingPunct="0">
+              <a:lnSpc>
+                <a:spcPct val="100000"/>
+              </a:lnSpc>
+              <a:spcBef>
+                <a:spcPct val="0"/>
+              </a:spcBef>
+              <a:spcAft>
+                <a:spcPct val="0"/>
+              </a:spcAft>
+            </a:pPr>
+            <a:r>
+              <a:rPr lang="en-US" altLang="de-DE" sz="1400" dirty="0"/>
+              <a:t>M</a:t>
+            </a:r>
+            <a:r>
+              <a:rPr kumimoji="0" lang="en-US" altLang="de-DE" sz="1400" b="0" i="0" u="none" strike="noStrike" cap="none" normalizeH="0" baseline="0" dirty="0">
+                <a:ln>
+                  <a:noFill/>
+                </a:ln>
+                <a:solidFill>
+                  <a:schemeClr val="tx1"/>
+                </a:solidFill>
+                <a:effectLst/>
+                <a:latin typeface="Arial" panose="020B0604020202020204" pitchFamily="34" charset="0"/>
+              </a:rPr>
+              <a:t>ore advanced approaches: LSTM, GRU, and CNN</a:t>
+            </a:r>
+          </a:p>
+          <a:p>
+            <a:pPr defTabSz="914400" eaLnBrk="0" fontAlgn="base" hangingPunct="0">
+              <a:lnSpc>
+                <a:spcPct val="100000"/>
+              </a:lnSpc>
+              <a:spcBef>
+                <a:spcPct val="0"/>
+              </a:spcBef>
+              <a:spcAft>
+                <a:spcPct val="0"/>
+              </a:spcAft>
+            </a:pPr>
+            <a:r>
+              <a:rPr lang="en-US" altLang="de-DE" sz="1400" dirty="0"/>
+              <a:t>Word Embeddings (</a:t>
+            </a:r>
+            <a:r>
+              <a:rPr lang="de-AT" sz="1400" dirty="0"/>
+              <a:t>Word2Vec, BERT)</a:t>
+            </a:r>
+          </a:p>
+          <a:p>
+            <a:pPr defTabSz="914400" eaLnBrk="0" fontAlgn="base" hangingPunct="0">
+              <a:lnSpc>
+                <a:spcPct val="100000"/>
+              </a:lnSpc>
+              <a:spcBef>
+                <a:spcPct val="0"/>
+              </a:spcBef>
+              <a:spcAft>
+                <a:spcPct val="0"/>
+              </a:spcAft>
+            </a:pPr>
+            <a:r>
+              <a:rPr kumimoji="0" lang="de-AT" altLang="de-DE" sz="1400" b="0" i="0" u="none" strike="noStrike" cap="none" normalizeH="0" baseline="0" dirty="0">
+                <a:ln>
+                  <a:noFill/>
+                </a:ln>
+                <a:solidFill>
+                  <a:schemeClr val="tx1"/>
+                </a:solidFill>
+                <a:effectLst/>
+                <a:latin typeface="Arial" panose="020B0604020202020204" pitchFamily="34" charset="0"/>
+              </a:rPr>
+              <a:t>Transformer Models (</a:t>
+            </a:r>
+            <a:r>
+              <a:rPr kumimoji="0" lang="de-AT" altLang="de-DE" sz="1400" b="0" i="0" u="none" strike="noStrike" cap="none" normalizeH="0" baseline="0" dirty="0" err="1">
+                <a:ln>
+                  <a:noFill/>
+                </a:ln>
+                <a:solidFill>
+                  <a:schemeClr val="tx1"/>
+                </a:solidFill>
+                <a:effectLst/>
+                <a:latin typeface="Arial" panose="020B0604020202020204" pitchFamily="34" charset="0"/>
+              </a:rPr>
+              <a:t>DistilBERT</a:t>
+            </a:r>
+            <a:r>
+              <a:rPr kumimoji="0" lang="de-AT" altLang="de-DE" sz="1400" b="0" i="0" u="none" strike="noStrike" cap="none" normalizeH="0" baseline="0" dirty="0">
+                <a:ln>
+                  <a:noFill/>
+                </a:ln>
+                <a:solidFill>
+                  <a:schemeClr val="tx1"/>
+                </a:solidFill>
+                <a:effectLst/>
+                <a:latin typeface="Arial" panose="020B0604020202020204" pitchFamily="34" charset="0"/>
+              </a:rPr>
+              <a:t> and </a:t>
+            </a:r>
+            <a:r>
+              <a:rPr kumimoji="0" lang="de-AT" altLang="de-DE" sz="1400" b="0" i="0" u="none" strike="noStrike" cap="none" normalizeH="0" baseline="0" dirty="0" err="1">
+                <a:ln>
+                  <a:noFill/>
+                </a:ln>
+                <a:solidFill>
+                  <a:schemeClr val="tx1"/>
+                </a:solidFill>
+                <a:effectLst/>
+                <a:latin typeface="Arial" panose="020B0604020202020204" pitchFamily="34" charset="0"/>
+              </a:rPr>
+              <a:t>FinBERT</a:t>
+            </a:r>
+            <a:r>
+              <a:rPr kumimoji="0" lang="de-AT" altLang="de-DE" sz="1400" b="0" i="0" u="none" strike="noStrike" cap="none" normalizeH="0" baseline="0" dirty="0">
+                <a:ln>
+                  <a:noFill/>
+                </a:ln>
+                <a:solidFill>
+                  <a:schemeClr val="tx1"/>
+                </a:solidFill>
+                <a:effectLst/>
+                <a:latin typeface="Arial" panose="020B0604020202020204" pitchFamily="34" charset="0"/>
+              </a:rPr>
+              <a:t>)</a:t>
+            </a:r>
+          </a:p>
+          <a:p>
+            <a:pPr defTabSz="914400" eaLnBrk="0" fontAlgn="base" hangingPunct="0">
+              <a:lnSpc>
+                <a:spcPct val="100000"/>
+              </a:lnSpc>
+              <a:spcBef>
+                <a:spcPct val="0"/>
+              </a:spcBef>
+              <a:spcAft>
+                <a:spcPct val="0"/>
+              </a:spcAft>
+            </a:pPr>
+            <a:r>
+              <a:rPr lang="de-AT" altLang="de-DE" sz="1400" dirty="0"/>
+              <a:t>Sentiment </a:t>
+            </a:r>
+            <a:r>
+              <a:rPr lang="de-AT" altLang="de-DE" sz="1400" dirty="0" err="1"/>
+              <a:t>analysis</a:t>
+            </a:r>
+            <a:r>
+              <a:rPr lang="de-AT" altLang="de-DE" sz="1400" dirty="0"/>
+              <a:t> </a:t>
+            </a:r>
+            <a:r>
+              <a:rPr lang="de-AT" altLang="de-DE" sz="1400" dirty="0" err="1"/>
+              <a:t>to</a:t>
+            </a:r>
+            <a:r>
+              <a:rPr lang="de-AT" altLang="de-DE" sz="1400" dirty="0"/>
+              <a:t> </a:t>
+            </a:r>
+            <a:r>
+              <a:rPr lang="de-AT" altLang="de-DE" sz="1400" dirty="0" err="1"/>
+              <a:t>identify</a:t>
+            </a:r>
+            <a:r>
+              <a:rPr lang="de-AT" altLang="de-DE" sz="1400" dirty="0"/>
+              <a:t> </a:t>
+            </a:r>
+            <a:r>
+              <a:rPr lang="de-AT" altLang="de-DE" sz="1400" dirty="0" err="1"/>
+              <a:t>trends</a:t>
+            </a:r>
+            <a:endParaRPr kumimoji="0" lang="en-US" altLang="de-DE" sz="1400" b="0" i="0" u="none" strike="noStrike" cap="none" normalizeH="0" baseline="0" dirty="0">
+              <a:ln>
+                <a:noFill/>
+              </a:ln>
+              <a:solidFill>
+                <a:schemeClr val="tx1"/>
+              </a:solidFill>
+              <a:effectLst/>
+              <a:latin typeface="Arial" panose="020B0604020202020204" pitchFamily="34" charset="0"/>
+            </a:endParaRPr>
+          </a:p>
+          <a:p>
+            <a:pPr marL="0" indent="0" defTabSz="914400" eaLnBrk="0" fontAlgn="base" hangingPunct="0">
+              <a:lnSpc>
+                <a:spcPct val="100000"/>
+              </a:lnSpc>
+              <a:spcBef>
+                <a:spcPct val="0"/>
+              </a:spcBef>
+              <a:spcAft>
+                <a:spcPct val="0"/>
+              </a:spcAft>
+              <a:buNone/>
+            </a:pPr>
+            <a:endParaRPr kumimoji="0" lang="de-DE" altLang="de-DE" sz="1400" b="0" i="0" u="none" strike="noStrike" cap="none" normalizeH="0" baseline="0" dirty="0">
+              <a:ln>
+                <a:noFill/>
+              </a:ln>
+              <a:solidFill>
+                <a:schemeClr val="tx1"/>
+              </a:solidFill>
+              <a:effectLst/>
+              <a:latin typeface="Arial" panose="020B0604020202020204" pitchFamily="34" charset="0"/>
+            </a:endParaRPr>
+          </a:p>
+          <a:p>
+            <a:pPr marL="0" marR="0" lvl="0" indent="0" algn="l" defTabSz="914400" rtl="0" eaLnBrk="0" fontAlgn="base" latinLnBrk="0" hangingPunct="0">
+              <a:lnSpc>
+                <a:spcPct val="100000"/>
+              </a:lnSpc>
+              <a:spcBef>
+                <a:spcPct val="0"/>
+              </a:spcBef>
+              <a:spcAft>
+                <a:spcPct val="0"/>
+              </a:spcAft>
+              <a:buClrTx/>
+              <a:buSzTx/>
+              <a:buNone/>
+              <a:tabLst/>
+            </a:pPr>
+            <a:r>
+              <a:rPr kumimoji="0" lang="de-DE" altLang="de-DE" sz="1400" b="1" i="0" u="none" strike="noStrike" cap="none" normalizeH="0" baseline="0" dirty="0" err="1">
+                <a:ln>
+                  <a:noFill/>
+                </a:ln>
+                <a:solidFill>
+                  <a:schemeClr val="tx1"/>
+                </a:solidFill>
+                <a:effectLst/>
+                <a:latin typeface="Arial" panose="020B0604020202020204" pitchFamily="34" charset="0"/>
+              </a:rPr>
+              <a:t>Similar</a:t>
+            </a:r>
+            <a:r>
+              <a:rPr kumimoji="0" lang="de-DE" altLang="de-DE" sz="1400" b="1" i="0" u="none" strike="noStrike" cap="none" normalizeH="0" baseline="0" dirty="0">
+                <a:ln>
+                  <a:noFill/>
+                </a:ln>
+                <a:solidFill>
+                  <a:schemeClr val="tx1"/>
+                </a:solidFill>
+                <a:effectLst/>
+                <a:latin typeface="Arial" panose="020B0604020202020204" pitchFamily="34" charset="0"/>
+              </a:rPr>
+              <a:t> </a:t>
+            </a:r>
+            <a:r>
+              <a:rPr kumimoji="0" lang="de-DE" altLang="de-DE" sz="1400" b="1" i="0" u="none" strike="noStrike" cap="none" normalizeH="0" baseline="0" dirty="0" err="1">
+                <a:ln>
+                  <a:noFill/>
+                </a:ln>
+                <a:solidFill>
+                  <a:schemeClr val="tx1"/>
+                </a:solidFill>
+                <a:effectLst/>
+                <a:latin typeface="Arial" panose="020B0604020202020204" pitchFamily="34" charset="0"/>
+              </a:rPr>
+              <a:t>work</a:t>
+            </a:r>
+            <a:r>
+              <a:rPr kumimoji="0" lang="de-DE" altLang="de-DE" sz="1400" b="1" i="0" u="none" strike="noStrike" cap="none" normalizeH="0" baseline="0" dirty="0">
+                <a:ln>
+                  <a:noFill/>
+                </a:ln>
+                <a:solidFill>
+                  <a:schemeClr val="tx1"/>
+                </a:solidFill>
+                <a:effectLst/>
+                <a:latin typeface="Arial" panose="020B0604020202020204" pitchFamily="34" charset="0"/>
+              </a:rPr>
+              <a:t> and </a:t>
+            </a:r>
+            <a:r>
+              <a:rPr kumimoji="0" lang="de-DE" altLang="de-DE" sz="1400" b="1" i="0" u="none" strike="noStrike" cap="none" normalizeH="0" baseline="0" dirty="0" err="1">
+                <a:ln>
+                  <a:noFill/>
+                </a:ln>
+                <a:solidFill>
+                  <a:schemeClr val="tx1"/>
+                </a:solidFill>
+                <a:effectLst/>
+                <a:latin typeface="Arial" panose="020B0604020202020204" pitchFamily="34" charset="0"/>
+              </a:rPr>
+              <a:t>differences</a:t>
+            </a:r>
+            <a:r>
+              <a:rPr kumimoji="0" lang="de-DE" altLang="de-DE" sz="1400" b="1" i="0" u="none" strike="noStrike" cap="none" normalizeH="0" baseline="0" dirty="0">
+                <a:ln>
+                  <a:noFill/>
+                </a:ln>
+                <a:solidFill>
+                  <a:schemeClr val="tx1"/>
+                </a:solidFill>
+                <a:effectLst/>
+                <a:latin typeface="Arial" panose="020B0604020202020204" pitchFamily="34" charset="0"/>
+              </a:rPr>
+              <a:t> </a:t>
+            </a:r>
+            <a:r>
+              <a:rPr kumimoji="0" lang="de-DE" altLang="de-DE" sz="1400" b="1" i="0" u="none" strike="noStrike" cap="none" normalizeH="0" baseline="0" dirty="0" err="1">
+                <a:ln>
+                  <a:noFill/>
+                </a:ln>
+                <a:solidFill>
+                  <a:schemeClr val="tx1"/>
+                </a:solidFill>
+                <a:effectLst/>
+                <a:latin typeface="Arial" panose="020B0604020202020204" pitchFamily="34" charset="0"/>
+              </a:rPr>
+              <a:t>from</a:t>
+            </a:r>
+            <a:r>
+              <a:rPr kumimoji="0" lang="de-DE" altLang="de-DE" sz="1400" b="1" i="0" u="none" strike="noStrike" cap="none" normalizeH="0" baseline="0" dirty="0">
+                <a:ln>
+                  <a:noFill/>
+                </a:ln>
+                <a:solidFill>
+                  <a:schemeClr val="tx1"/>
+                </a:solidFill>
+                <a:effectLst/>
+                <a:latin typeface="Arial" panose="020B0604020202020204" pitchFamily="34" charset="0"/>
+              </a:rPr>
+              <a:t> </a:t>
+            </a:r>
+            <a:r>
+              <a:rPr kumimoji="0" lang="de-DE" altLang="de-DE" sz="1400" b="1" i="0" u="none" strike="noStrike" cap="none" normalizeH="0" baseline="0" dirty="0" err="1">
+                <a:ln>
+                  <a:noFill/>
+                </a:ln>
+                <a:solidFill>
+                  <a:schemeClr val="tx1"/>
+                </a:solidFill>
+                <a:effectLst/>
+                <a:latin typeface="Arial" panose="020B0604020202020204" pitchFamily="34" charset="0"/>
+              </a:rPr>
+              <a:t>ours</a:t>
+            </a:r>
+            <a:r>
+              <a:rPr kumimoji="0" lang="de-DE" altLang="de-DE" sz="1400" b="1" i="0" u="none" strike="noStrike" cap="none" normalizeH="0" baseline="0" dirty="0">
+                <a:ln>
+                  <a:noFill/>
+                </a:ln>
+                <a:solidFill>
+                  <a:schemeClr val="tx1"/>
+                </a:solidFill>
+                <a:effectLst/>
+                <a:latin typeface="Arial" panose="020B0604020202020204" pitchFamily="34" charset="0"/>
+              </a:rPr>
+              <a:t>?</a:t>
+            </a:r>
+            <a:br>
+              <a:rPr kumimoji="0" lang="de-DE" altLang="de-DE" sz="1600" b="0" i="0" u="none" strike="noStrike" cap="none" normalizeH="0" baseline="0" dirty="0">
+                <a:ln>
+                  <a:noFill/>
+                </a:ln>
+                <a:solidFill>
+                  <a:schemeClr val="tx1"/>
+                </a:solidFill>
+                <a:effectLst/>
+                <a:latin typeface="Arial" panose="020B0604020202020204" pitchFamily="34" charset="0"/>
+              </a:rPr>
+            </a:br>
+            <a:r>
+              <a:rPr kumimoji="0" lang="en-US" altLang="de-DE" sz="1400" b="0" i="0" u="none" strike="noStrike" cap="none" normalizeH="0" baseline="0" dirty="0">
+                <a:ln>
+                  <a:noFill/>
+                </a:ln>
+                <a:solidFill>
+                  <a:schemeClr val="tx1"/>
+                </a:solidFill>
+                <a:effectLst/>
+                <a:latin typeface="Arial" panose="020B0604020202020204" pitchFamily="34" charset="0"/>
+              </a:rPr>
+              <a:t>Existing research has explored the categorization of customer complaints, particularly through the use of NLP techniques to analyze text. However, our work……</a:t>
+            </a:r>
+            <a:endParaRPr kumimoji="0" lang="de-DE" altLang="de-DE" sz="1600" b="0" i="0" u="none" strike="noStrike" cap="none" normalizeH="0" baseline="0" dirty="0">
+              <a:ln>
+                <a:noFill/>
+              </a:ln>
+              <a:solidFill>
+                <a:schemeClr val="tx1"/>
+              </a:solidFill>
+              <a:effectLst/>
+              <a:latin typeface="Arial" panose="020B0604020202020204" pitchFamily="34" charset="0"/>
+            </a:endParaRPr>
+          </a:p>
+        </p:txBody>
+      </p:sp>
+    </p:spTree>
+    <p:extLst>
+      <p:ext uri="{BB962C8B-B14F-4D97-AF65-F5344CB8AC3E}">
+        <p14:creationId xmlns:p14="http://schemas.microsoft.com/office/powerpoint/2010/main" val="1029396274"/>
+      </p:ext>
+    </p:extLst>
+  </p:cSld>
+  <p:clrMapOvr>
+    <a:masterClrMapping/>
+  </p:clrMapOvr>
+</p:sld>
+</file>
+
+<file path=ppt/slides/slide4.xml><?xml version="1.0" encoding="utf-8"?>
+<p:sld xmlns:a="http://schemas.openxmlformats.org/drawingml/2006/main" xmlns:r="http://schemas.openxmlformats.org/officeDocument/2006/relationships" xmlns:p="http://schemas.openxmlformats.org/presentationml/2006/main">
+  <p:cSld>
+    <p:spTree>
+      <p:nvGrpSpPr>
+        <p:cNvPr id="1" name=""/>
+        <p:cNvGrpSpPr/>
+        <p:nvPr/>
+      </p:nvGrpSpPr>
+      <p:grpSpPr>
+        <a:xfrm>
+          <a:off x="0" y="0"/>
+          <a:ext cx="0" cy="0"/>
+          <a:chOff x="0" y="0"/>
+          <a:chExt cx="0" cy="0"/>
+        </a:xfrm>
+      </p:grpSpPr>
+      <p:sp>
+        <p:nvSpPr>
+          <p:cNvPr id="6" name="Titel 5">
+            <a:extLst>
+              <a:ext uri="{FF2B5EF4-FFF2-40B4-BE49-F238E27FC236}">
+                <a16:creationId xmlns:a16="http://schemas.microsoft.com/office/drawing/2014/main" id="{6A4FD04E-F4E5-4C20-8824-ED6C28B10A98}"/>
+              </a:ext>
+            </a:extLst>
+          </p:cNvPr>
+          <p:cNvSpPr>
+            <a:spLocks noGrp="1"/>
+          </p:cNvSpPr>
+          <p:nvPr>
+            <p:ph type="title"/>
+          </p:nvPr>
+        </p:nvSpPr>
+        <p:spPr/>
+        <p:txBody>
+          <a:bodyPr>
+            <a:normAutofit fontScale="90000"/>
+          </a:bodyPr>
+          <a:lstStyle/>
+          <a:p>
+            <a:r>
+              <a:rPr lang="en-US" dirty="0"/>
               <a:t>References</a:t>
             </a:r>
           </a:p>
@@ -6939,7 +7506,7 @@
             <a:fld id="{9C057DB4-583E-41A7-BD94-987342018C17}" type="slidenum">
               <a:rPr lang="en-GB" smtClean="0"/>
               <a:pPr/>
-              <a:t>3</a:t>
+              <a:t>4</a:t>
             </a:fld>
             <a:endParaRPr lang="en-GB" dirty="0"/>
           </a:p>
@@ -7100,6 +7667,974 @@
     <p:extLst>
       <p:ext uri="{BB962C8B-B14F-4D97-AF65-F5344CB8AC3E}">
         <p14:creationId xmlns:p14="http://schemas.microsoft.com/office/powerpoint/2010/main" val="1881509882"/>
+      </p:ext>
+    </p:extLst>
+  </p:cSld>
+  <p:clrMapOvr>
+    <a:masterClrMapping/>
+  </p:clrMapOvr>
+</p:sld>
+</file>
+
+<file path=ppt/slides/slide5.xml><?xml version="1.0" encoding="utf-8"?>
+<p:sld xmlns:a="http://schemas.openxmlformats.org/drawingml/2006/main" xmlns:r="http://schemas.openxmlformats.org/officeDocument/2006/relationships" xmlns:p="http://schemas.openxmlformats.org/presentationml/2006/main">
+  <p:cSld>
+    <p:spTree>
+      <p:nvGrpSpPr>
+        <p:cNvPr id="1" name=""/>
+        <p:cNvGrpSpPr/>
+        <p:nvPr/>
+      </p:nvGrpSpPr>
+      <p:grpSpPr>
+        <a:xfrm>
+          <a:off x="0" y="0"/>
+          <a:ext cx="0" cy="0"/>
+          <a:chOff x="0" y="0"/>
+          <a:chExt cx="0" cy="0"/>
+        </a:xfrm>
+      </p:grpSpPr>
+      <p:sp>
+        <p:nvSpPr>
+          <p:cNvPr id="2" name="Title 1">
+            <a:extLst>
+              <a:ext uri="{FF2B5EF4-FFF2-40B4-BE49-F238E27FC236}">
+                <a16:creationId xmlns:a16="http://schemas.microsoft.com/office/drawing/2014/main" id="{A405DF7D-03F7-50A1-43EC-F47A0F3DE726}"/>
+              </a:ext>
+            </a:extLst>
+          </p:cNvPr>
+          <p:cNvSpPr>
+            <a:spLocks noGrp="1"/>
+          </p:cNvSpPr>
+          <p:nvPr>
+            <p:ph type="title"/>
+          </p:nvPr>
+        </p:nvSpPr>
+        <p:spPr/>
+        <p:txBody>
+          <a:bodyPr>
+            <a:normAutofit fontScale="90000"/>
+          </a:bodyPr>
+          <a:lstStyle/>
+          <a:p>
+            <a:r>
+              <a:rPr lang="en-AT" dirty="0"/>
+              <a:t>Tests on Small Data Set – Embeddings TFIDF</a:t>
+            </a:r>
+          </a:p>
+        </p:txBody>
+      </p:sp>
+      <p:sp>
+        <p:nvSpPr>
+          <p:cNvPr id="4" name="Footer Placeholder 3">
+            <a:extLst>
+              <a:ext uri="{FF2B5EF4-FFF2-40B4-BE49-F238E27FC236}">
+                <a16:creationId xmlns:a16="http://schemas.microsoft.com/office/drawing/2014/main" id="{3A443811-9BD4-1F80-EC52-7A99471D7DAC}"/>
+              </a:ext>
+            </a:extLst>
+          </p:cNvPr>
+          <p:cNvSpPr>
+            <a:spLocks noGrp="1"/>
+          </p:cNvSpPr>
+          <p:nvPr>
+            <p:ph type="ftr" sz="quarter" idx="12"/>
+          </p:nvPr>
+        </p:nvSpPr>
+        <p:spPr/>
+        <p:txBody>
+          <a:bodyPr/>
+          <a:lstStyle/>
+          <a:p>
+            <a:r>
+              <a:rPr lang="en-GB"/>
+              <a:t>Präsentationstitel | Name | Datum</a:t>
+            </a:r>
+            <a:endParaRPr lang="en-GB" dirty="0"/>
+          </a:p>
+        </p:txBody>
+      </p:sp>
+      <p:sp>
+        <p:nvSpPr>
+          <p:cNvPr id="5" name="Slide Number Placeholder 4">
+            <a:extLst>
+              <a:ext uri="{FF2B5EF4-FFF2-40B4-BE49-F238E27FC236}">
+                <a16:creationId xmlns:a16="http://schemas.microsoft.com/office/drawing/2014/main" id="{A90A2BEA-5FF6-D651-DA64-39583835D92E}"/>
+              </a:ext>
+            </a:extLst>
+          </p:cNvPr>
+          <p:cNvSpPr>
+            <a:spLocks noGrp="1"/>
+          </p:cNvSpPr>
+          <p:nvPr>
+            <p:ph type="sldNum" sz="quarter" idx="13"/>
+          </p:nvPr>
+        </p:nvSpPr>
+        <p:spPr/>
+        <p:txBody>
+          <a:bodyPr/>
+          <a:lstStyle/>
+          <a:p>
+            <a:fld id="{9C057DB4-583E-41A7-BD94-987342018C17}" type="slidenum">
+              <a:rPr lang="en-GB" smtClean="0"/>
+              <a:pPr/>
+              <a:t>5</a:t>
+            </a:fld>
+            <a:endParaRPr lang="en-GB" dirty="0"/>
+          </a:p>
+        </p:txBody>
+      </p:sp>
+      <p:pic>
+        <p:nvPicPr>
+          <p:cNvPr id="7" name="Picture 6" descr="A diagram of a credit card&#10;&#10;Description automatically generated">
+            <a:extLst>
+              <a:ext uri="{FF2B5EF4-FFF2-40B4-BE49-F238E27FC236}">
+                <a16:creationId xmlns:a16="http://schemas.microsoft.com/office/drawing/2014/main" id="{7E8EA2AA-48E2-DAD7-8AB2-B59BB43CBA82}"/>
+              </a:ext>
+            </a:extLst>
+          </p:cNvPr>
+          <p:cNvPicPr>
+            <a:picLocks noChangeAspect="1"/>
+          </p:cNvPicPr>
+          <p:nvPr/>
+        </p:nvPicPr>
+        <p:blipFill>
+          <a:blip r:embed="rId2">
+            <a:extLst>
+              <a:ext uri="{28A0092B-C50C-407E-A947-70E740481C1C}">
+                <a14:useLocalDpi xmlns:a14="http://schemas.microsoft.com/office/drawing/2010/main" val="0"/>
+              </a:ext>
+            </a:extLst>
+          </a:blip>
+          <a:stretch>
+            <a:fillRect/>
+          </a:stretch>
+        </p:blipFill>
+        <p:spPr>
+          <a:xfrm>
+            <a:off x="2063689" y="787692"/>
+            <a:ext cx="4494428" cy="3930234"/>
+          </a:xfrm>
+          <a:prstGeom prst="rect">
+            <a:avLst/>
+          </a:prstGeom>
+        </p:spPr>
+      </p:pic>
+    </p:spTree>
+    <p:extLst>
+      <p:ext uri="{BB962C8B-B14F-4D97-AF65-F5344CB8AC3E}">
+        <p14:creationId xmlns:p14="http://schemas.microsoft.com/office/powerpoint/2010/main" val="3408160718"/>
+      </p:ext>
+    </p:extLst>
+  </p:cSld>
+  <p:clrMapOvr>
+    <a:masterClrMapping/>
+  </p:clrMapOvr>
+</p:sld>
+</file>
+
+<file path=ppt/slides/slide6.xml><?xml version="1.0" encoding="utf-8"?>
+<p:sld xmlns:a="http://schemas.openxmlformats.org/drawingml/2006/main" xmlns:r="http://schemas.openxmlformats.org/officeDocument/2006/relationships" xmlns:p="http://schemas.openxmlformats.org/presentationml/2006/main">
+  <p:cSld>
+    <p:spTree>
+      <p:nvGrpSpPr>
+        <p:cNvPr id="1" name="">
+          <a:extLst>
+            <a:ext uri="{FF2B5EF4-FFF2-40B4-BE49-F238E27FC236}">
+              <a16:creationId xmlns:a16="http://schemas.microsoft.com/office/drawing/2014/main" id="{D1AF3C38-E947-43BD-EDF9-4B19877665C0}"/>
+            </a:ext>
+          </a:extLst>
+        </p:cNvPr>
+        <p:cNvGrpSpPr/>
+        <p:nvPr/>
+      </p:nvGrpSpPr>
+      <p:grpSpPr>
+        <a:xfrm>
+          <a:off x="0" y="0"/>
+          <a:ext cx="0" cy="0"/>
+          <a:chOff x="0" y="0"/>
+          <a:chExt cx="0" cy="0"/>
+        </a:xfrm>
+      </p:grpSpPr>
+      <p:sp>
+        <p:nvSpPr>
+          <p:cNvPr id="2" name="Title 1">
+            <a:extLst>
+              <a:ext uri="{FF2B5EF4-FFF2-40B4-BE49-F238E27FC236}">
+                <a16:creationId xmlns:a16="http://schemas.microsoft.com/office/drawing/2014/main" id="{C7EDBED0-C24C-366E-1D96-0D95A4AFE3BD}"/>
+              </a:ext>
+            </a:extLst>
+          </p:cNvPr>
+          <p:cNvSpPr>
+            <a:spLocks noGrp="1"/>
+          </p:cNvSpPr>
+          <p:nvPr>
+            <p:ph type="title"/>
+          </p:nvPr>
+        </p:nvSpPr>
+        <p:spPr/>
+        <p:txBody>
+          <a:bodyPr>
+            <a:normAutofit fontScale="90000"/>
+          </a:bodyPr>
+          <a:lstStyle/>
+          <a:p>
+            <a:r>
+              <a:rPr lang="en-AT" dirty="0"/>
+              <a:t>Tests on Small Data Set – Embeddings Glove</a:t>
+            </a:r>
+          </a:p>
+        </p:txBody>
+      </p:sp>
+      <p:sp>
+        <p:nvSpPr>
+          <p:cNvPr id="4" name="Footer Placeholder 3">
+            <a:extLst>
+              <a:ext uri="{FF2B5EF4-FFF2-40B4-BE49-F238E27FC236}">
+                <a16:creationId xmlns:a16="http://schemas.microsoft.com/office/drawing/2014/main" id="{896FD427-D0F9-7E65-707A-6C5528425231}"/>
+              </a:ext>
+            </a:extLst>
+          </p:cNvPr>
+          <p:cNvSpPr>
+            <a:spLocks noGrp="1"/>
+          </p:cNvSpPr>
+          <p:nvPr>
+            <p:ph type="ftr" sz="quarter" idx="12"/>
+          </p:nvPr>
+        </p:nvSpPr>
+        <p:spPr/>
+        <p:txBody>
+          <a:bodyPr/>
+          <a:lstStyle/>
+          <a:p>
+            <a:r>
+              <a:rPr lang="en-GB"/>
+              <a:t>Präsentationstitel | Name | Datum</a:t>
+            </a:r>
+            <a:endParaRPr lang="en-GB" dirty="0"/>
+          </a:p>
+        </p:txBody>
+      </p:sp>
+      <p:sp>
+        <p:nvSpPr>
+          <p:cNvPr id="5" name="Slide Number Placeholder 4">
+            <a:extLst>
+              <a:ext uri="{FF2B5EF4-FFF2-40B4-BE49-F238E27FC236}">
+                <a16:creationId xmlns:a16="http://schemas.microsoft.com/office/drawing/2014/main" id="{EEB0A6C0-0ACD-2305-76B2-381722A2A3A2}"/>
+              </a:ext>
+            </a:extLst>
+          </p:cNvPr>
+          <p:cNvSpPr>
+            <a:spLocks noGrp="1"/>
+          </p:cNvSpPr>
+          <p:nvPr>
+            <p:ph type="sldNum" sz="quarter" idx="13"/>
+          </p:nvPr>
+        </p:nvSpPr>
+        <p:spPr/>
+        <p:txBody>
+          <a:bodyPr/>
+          <a:lstStyle/>
+          <a:p>
+            <a:fld id="{9C057DB4-583E-41A7-BD94-987342018C17}" type="slidenum">
+              <a:rPr lang="en-GB" smtClean="0"/>
+              <a:pPr/>
+              <a:t>6</a:t>
+            </a:fld>
+            <a:endParaRPr lang="en-GB" dirty="0"/>
+          </a:p>
+        </p:txBody>
+      </p:sp>
+      <p:pic>
+        <p:nvPicPr>
+          <p:cNvPr id="7" name="Picture 6">
+            <a:extLst>
+              <a:ext uri="{FF2B5EF4-FFF2-40B4-BE49-F238E27FC236}">
+                <a16:creationId xmlns:a16="http://schemas.microsoft.com/office/drawing/2014/main" id="{5A0B0999-90D7-18CD-4539-048482EDC113}"/>
+              </a:ext>
+            </a:extLst>
+          </p:cNvPr>
+          <p:cNvPicPr>
+            <a:picLocks noChangeAspect="1"/>
+          </p:cNvPicPr>
+          <p:nvPr/>
+        </p:nvPicPr>
+        <p:blipFill>
+          <a:blip r:embed="rId2">
+            <a:extLst>
+              <a:ext uri="{28A0092B-C50C-407E-A947-70E740481C1C}">
+                <a14:useLocalDpi xmlns:a14="http://schemas.microsoft.com/office/drawing/2010/main" val="0"/>
+              </a:ext>
+            </a:extLst>
+          </a:blip>
+          <a:srcRect/>
+          <a:stretch/>
+        </p:blipFill>
+        <p:spPr>
+          <a:xfrm>
+            <a:off x="2063689" y="864046"/>
+            <a:ext cx="4494428" cy="3777525"/>
+          </a:xfrm>
+          <a:prstGeom prst="rect">
+            <a:avLst/>
+          </a:prstGeom>
+        </p:spPr>
+      </p:pic>
+    </p:spTree>
+    <p:extLst>
+      <p:ext uri="{BB962C8B-B14F-4D97-AF65-F5344CB8AC3E}">
+        <p14:creationId xmlns:p14="http://schemas.microsoft.com/office/powerpoint/2010/main" val="826822086"/>
+      </p:ext>
+    </p:extLst>
+  </p:cSld>
+  <p:clrMapOvr>
+    <a:masterClrMapping/>
+  </p:clrMapOvr>
+</p:sld>
+</file>
+
+<file path=ppt/slides/slide7.xml><?xml version="1.0" encoding="utf-8"?>
+<p:sld xmlns:a="http://schemas.openxmlformats.org/drawingml/2006/main" xmlns:r="http://schemas.openxmlformats.org/officeDocument/2006/relationships" xmlns:p="http://schemas.openxmlformats.org/presentationml/2006/main">
+  <p:cSld>
+    <p:spTree>
+      <p:nvGrpSpPr>
+        <p:cNvPr id="1" name="">
+          <a:extLst>
+            <a:ext uri="{FF2B5EF4-FFF2-40B4-BE49-F238E27FC236}">
+              <a16:creationId xmlns:a16="http://schemas.microsoft.com/office/drawing/2014/main" id="{B981AE3B-84DA-CAC7-1772-C87F1F3391F4}"/>
+            </a:ext>
+          </a:extLst>
+        </p:cNvPr>
+        <p:cNvGrpSpPr/>
+        <p:nvPr/>
+      </p:nvGrpSpPr>
+      <p:grpSpPr>
+        <a:xfrm>
+          <a:off x="0" y="0"/>
+          <a:ext cx="0" cy="0"/>
+          <a:chOff x="0" y="0"/>
+          <a:chExt cx="0" cy="0"/>
+        </a:xfrm>
+      </p:grpSpPr>
+      <p:sp>
+        <p:nvSpPr>
+          <p:cNvPr id="2" name="Title 1">
+            <a:extLst>
+              <a:ext uri="{FF2B5EF4-FFF2-40B4-BE49-F238E27FC236}">
+                <a16:creationId xmlns:a16="http://schemas.microsoft.com/office/drawing/2014/main" id="{793434C9-1507-D7FC-4B11-3692FE6A7E88}"/>
+              </a:ext>
+            </a:extLst>
+          </p:cNvPr>
+          <p:cNvSpPr>
+            <a:spLocks noGrp="1"/>
+          </p:cNvSpPr>
+          <p:nvPr>
+            <p:ph type="title"/>
+          </p:nvPr>
+        </p:nvSpPr>
+        <p:spPr/>
+        <p:txBody>
+          <a:bodyPr>
+            <a:normAutofit fontScale="90000"/>
+          </a:bodyPr>
+          <a:lstStyle/>
+          <a:p>
+            <a:r>
+              <a:rPr lang="en-AT" dirty="0"/>
+              <a:t>Tests on Small Data Set – Embeddings SBERT</a:t>
+            </a:r>
+          </a:p>
+        </p:txBody>
+      </p:sp>
+      <p:sp>
+        <p:nvSpPr>
+          <p:cNvPr id="4" name="Footer Placeholder 3">
+            <a:extLst>
+              <a:ext uri="{FF2B5EF4-FFF2-40B4-BE49-F238E27FC236}">
+                <a16:creationId xmlns:a16="http://schemas.microsoft.com/office/drawing/2014/main" id="{592A4A0F-B300-EB8B-F8DD-C190C9AD6C7E}"/>
+              </a:ext>
+            </a:extLst>
+          </p:cNvPr>
+          <p:cNvSpPr>
+            <a:spLocks noGrp="1"/>
+          </p:cNvSpPr>
+          <p:nvPr>
+            <p:ph type="ftr" sz="quarter" idx="12"/>
+          </p:nvPr>
+        </p:nvSpPr>
+        <p:spPr/>
+        <p:txBody>
+          <a:bodyPr/>
+          <a:lstStyle/>
+          <a:p>
+            <a:r>
+              <a:rPr lang="en-GB"/>
+              <a:t>Präsentationstitel | Name | Datum</a:t>
+            </a:r>
+            <a:endParaRPr lang="en-GB" dirty="0"/>
+          </a:p>
+        </p:txBody>
+      </p:sp>
+      <p:sp>
+        <p:nvSpPr>
+          <p:cNvPr id="5" name="Slide Number Placeholder 4">
+            <a:extLst>
+              <a:ext uri="{FF2B5EF4-FFF2-40B4-BE49-F238E27FC236}">
+                <a16:creationId xmlns:a16="http://schemas.microsoft.com/office/drawing/2014/main" id="{0A8E684F-E47B-4D92-EE89-3B20717FD89E}"/>
+              </a:ext>
+            </a:extLst>
+          </p:cNvPr>
+          <p:cNvSpPr>
+            <a:spLocks noGrp="1"/>
+          </p:cNvSpPr>
+          <p:nvPr>
+            <p:ph type="sldNum" sz="quarter" idx="13"/>
+          </p:nvPr>
+        </p:nvSpPr>
+        <p:spPr/>
+        <p:txBody>
+          <a:bodyPr/>
+          <a:lstStyle/>
+          <a:p>
+            <a:fld id="{9C057DB4-583E-41A7-BD94-987342018C17}" type="slidenum">
+              <a:rPr lang="en-GB" smtClean="0"/>
+              <a:pPr/>
+              <a:t>7</a:t>
+            </a:fld>
+            <a:endParaRPr lang="en-GB" dirty="0"/>
+          </a:p>
+        </p:txBody>
+      </p:sp>
+      <p:pic>
+        <p:nvPicPr>
+          <p:cNvPr id="7" name="Picture 6">
+            <a:extLst>
+              <a:ext uri="{FF2B5EF4-FFF2-40B4-BE49-F238E27FC236}">
+                <a16:creationId xmlns:a16="http://schemas.microsoft.com/office/drawing/2014/main" id="{67EAD364-4DDD-8B4C-82DB-066F8DFA0EE9}"/>
+              </a:ext>
+            </a:extLst>
+          </p:cNvPr>
+          <p:cNvPicPr>
+            <a:picLocks noChangeAspect="1"/>
+          </p:cNvPicPr>
+          <p:nvPr/>
+        </p:nvPicPr>
+        <p:blipFill>
+          <a:blip r:embed="rId2">
+            <a:extLst>
+              <a:ext uri="{28A0092B-C50C-407E-A947-70E740481C1C}">
+                <a14:useLocalDpi xmlns:a14="http://schemas.microsoft.com/office/drawing/2010/main" val="0"/>
+              </a:ext>
+            </a:extLst>
+          </a:blip>
+          <a:srcRect/>
+          <a:stretch/>
+        </p:blipFill>
+        <p:spPr>
+          <a:xfrm>
+            <a:off x="2091262" y="864046"/>
+            <a:ext cx="4439281" cy="3777525"/>
+          </a:xfrm>
+          <a:prstGeom prst="rect">
+            <a:avLst/>
+          </a:prstGeom>
+        </p:spPr>
+      </p:pic>
+    </p:spTree>
+    <p:extLst>
+      <p:ext uri="{BB962C8B-B14F-4D97-AF65-F5344CB8AC3E}">
+        <p14:creationId xmlns:p14="http://schemas.microsoft.com/office/powerpoint/2010/main" val="719036195"/>
+      </p:ext>
+    </p:extLst>
+  </p:cSld>
+  <p:clrMapOvr>
+    <a:masterClrMapping/>
+  </p:clrMapOvr>
+</p:sld>
+</file>
+
+<file path=ppt/slides/slide8.xml><?xml version="1.0" encoding="utf-8"?>
+<p:sld xmlns:a="http://schemas.openxmlformats.org/drawingml/2006/main" xmlns:r="http://schemas.openxmlformats.org/officeDocument/2006/relationships" xmlns:p="http://schemas.openxmlformats.org/presentationml/2006/main">
+  <p:cSld>
+    <p:spTree>
+      <p:nvGrpSpPr>
+        <p:cNvPr id="1" name="">
+          <a:extLst>
+            <a:ext uri="{FF2B5EF4-FFF2-40B4-BE49-F238E27FC236}">
+              <a16:creationId xmlns:a16="http://schemas.microsoft.com/office/drawing/2014/main" id="{5031976B-39A9-47E5-EDBB-4C03D8809BF7}"/>
+            </a:ext>
+          </a:extLst>
+        </p:cNvPr>
+        <p:cNvGrpSpPr/>
+        <p:nvPr/>
+      </p:nvGrpSpPr>
+      <p:grpSpPr>
+        <a:xfrm>
+          <a:off x="0" y="0"/>
+          <a:ext cx="0" cy="0"/>
+          <a:chOff x="0" y="0"/>
+          <a:chExt cx="0" cy="0"/>
+        </a:xfrm>
+      </p:grpSpPr>
+      <p:sp>
+        <p:nvSpPr>
+          <p:cNvPr id="2" name="Title 1">
+            <a:extLst>
+              <a:ext uri="{FF2B5EF4-FFF2-40B4-BE49-F238E27FC236}">
+                <a16:creationId xmlns:a16="http://schemas.microsoft.com/office/drawing/2014/main" id="{3968C2D7-C3E9-A808-CDDF-0CBAFA105B1E}"/>
+              </a:ext>
+            </a:extLst>
+          </p:cNvPr>
+          <p:cNvSpPr>
+            <a:spLocks noGrp="1"/>
+          </p:cNvSpPr>
+          <p:nvPr>
+            <p:ph type="title"/>
+          </p:nvPr>
+        </p:nvSpPr>
+        <p:spPr/>
+        <p:txBody>
+          <a:bodyPr>
+            <a:normAutofit fontScale="90000"/>
+          </a:bodyPr>
+          <a:lstStyle/>
+          <a:p>
+            <a:r>
+              <a:rPr lang="en-AT" dirty="0"/>
+              <a:t>Tests on Small Data Set – Embeddings w2vec</a:t>
+            </a:r>
+          </a:p>
+        </p:txBody>
+      </p:sp>
+      <p:sp>
+        <p:nvSpPr>
+          <p:cNvPr id="4" name="Footer Placeholder 3">
+            <a:extLst>
+              <a:ext uri="{FF2B5EF4-FFF2-40B4-BE49-F238E27FC236}">
+                <a16:creationId xmlns:a16="http://schemas.microsoft.com/office/drawing/2014/main" id="{7839CD97-5610-CDB6-5FD3-3E813058CE83}"/>
+              </a:ext>
+            </a:extLst>
+          </p:cNvPr>
+          <p:cNvSpPr>
+            <a:spLocks noGrp="1"/>
+          </p:cNvSpPr>
+          <p:nvPr>
+            <p:ph type="ftr" sz="quarter" idx="12"/>
+          </p:nvPr>
+        </p:nvSpPr>
+        <p:spPr/>
+        <p:txBody>
+          <a:bodyPr/>
+          <a:lstStyle/>
+          <a:p>
+            <a:r>
+              <a:rPr lang="en-GB"/>
+              <a:t>Präsentationstitel | Name | Datum</a:t>
+            </a:r>
+            <a:endParaRPr lang="en-GB" dirty="0"/>
+          </a:p>
+        </p:txBody>
+      </p:sp>
+      <p:sp>
+        <p:nvSpPr>
+          <p:cNvPr id="5" name="Slide Number Placeholder 4">
+            <a:extLst>
+              <a:ext uri="{FF2B5EF4-FFF2-40B4-BE49-F238E27FC236}">
+                <a16:creationId xmlns:a16="http://schemas.microsoft.com/office/drawing/2014/main" id="{BC0B58FF-6CB9-574D-9DF8-EF64E2AAFDAD}"/>
+              </a:ext>
+            </a:extLst>
+          </p:cNvPr>
+          <p:cNvSpPr>
+            <a:spLocks noGrp="1"/>
+          </p:cNvSpPr>
+          <p:nvPr>
+            <p:ph type="sldNum" sz="quarter" idx="13"/>
+          </p:nvPr>
+        </p:nvSpPr>
+        <p:spPr/>
+        <p:txBody>
+          <a:bodyPr/>
+          <a:lstStyle/>
+          <a:p>
+            <a:fld id="{9C057DB4-583E-41A7-BD94-987342018C17}" type="slidenum">
+              <a:rPr lang="en-GB" smtClean="0"/>
+              <a:pPr/>
+              <a:t>8</a:t>
+            </a:fld>
+            <a:endParaRPr lang="en-GB" dirty="0"/>
+          </a:p>
+        </p:txBody>
+      </p:sp>
+      <p:pic>
+        <p:nvPicPr>
+          <p:cNvPr id="7" name="Picture 6">
+            <a:extLst>
+              <a:ext uri="{FF2B5EF4-FFF2-40B4-BE49-F238E27FC236}">
+                <a16:creationId xmlns:a16="http://schemas.microsoft.com/office/drawing/2014/main" id="{CB27FDE0-26C9-24F3-D87E-E981FFA80415}"/>
+              </a:ext>
+            </a:extLst>
+          </p:cNvPr>
+          <p:cNvPicPr>
+            <a:picLocks noChangeAspect="1"/>
+          </p:cNvPicPr>
+          <p:nvPr/>
+        </p:nvPicPr>
+        <p:blipFill>
+          <a:blip r:embed="rId2">
+            <a:extLst>
+              <a:ext uri="{28A0092B-C50C-407E-A947-70E740481C1C}">
+                <a14:useLocalDpi xmlns:a14="http://schemas.microsoft.com/office/drawing/2010/main" val="0"/>
+              </a:ext>
+            </a:extLst>
+          </a:blip>
+          <a:srcRect/>
+          <a:stretch/>
+        </p:blipFill>
+        <p:spPr>
+          <a:xfrm>
+            <a:off x="2151004" y="789095"/>
+            <a:ext cx="4319797" cy="3777525"/>
+          </a:xfrm>
+          <a:prstGeom prst="rect">
+            <a:avLst/>
+          </a:prstGeom>
+        </p:spPr>
+      </p:pic>
+    </p:spTree>
+    <p:extLst>
+      <p:ext uri="{BB962C8B-B14F-4D97-AF65-F5344CB8AC3E}">
+        <p14:creationId xmlns:p14="http://schemas.microsoft.com/office/powerpoint/2010/main" val="1538730383"/>
+      </p:ext>
+    </p:extLst>
+  </p:cSld>
+  <p:clrMapOvr>
+    <a:masterClrMapping/>
+  </p:clrMapOvr>
+</p:sld>
+</file>
+
+<file path=ppt/slides/slide9.xml><?xml version="1.0" encoding="utf-8"?>
+<p:sld xmlns:a="http://schemas.openxmlformats.org/drawingml/2006/main" xmlns:r="http://schemas.openxmlformats.org/officeDocument/2006/relationships" xmlns:p="http://schemas.openxmlformats.org/presentationml/2006/main">
+  <p:cSld>
+    <p:bg>
+      <p:bgPr>
+        <a:solidFill>
+          <a:schemeClr val="bg1"/>
+        </a:solidFill>
+        <a:effectLst/>
+      </p:bgPr>
+    </p:bg>
+    <p:spTree>
+      <p:nvGrpSpPr>
+        <p:cNvPr id="1" name="">
+          <a:extLst>
+            <a:ext uri="{FF2B5EF4-FFF2-40B4-BE49-F238E27FC236}">
+              <a16:creationId xmlns:a16="http://schemas.microsoft.com/office/drawing/2014/main" id="{D1ABB5E2-9B55-FB6F-B4E2-98F29C70A978}"/>
+            </a:ext>
+          </a:extLst>
+        </p:cNvPr>
+        <p:cNvGrpSpPr/>
+        <p:nvPr/>
+      </p:nvGrpSpPr>
+      <p:grpSpPr>
+        <a:xfrm>
+          <a:off x="0" y="0"/>
+          <a:ext cx="0" cy="0"/>
+          <a:chOff x="0" y="0"/>
+          <a:chExt cx="0" cy="0"/>
+        </a:xfrm>
+      </p:grpSpPr>
+      <p:sp useBgFill="1">
+        <p:nvSpPr>
+          <p:cNvPr id="12" name="Rectangle 11">
+            <a:extLst>
+              <a:ext uri="{FF2B5EF4-FFF2-40B4-BE49-F238E27FC236}">
+                <a16:creationId xmlns:a16="http://schemas.microsoft.com/office/drawing/2014/main" id="{99ED5833-B85B-4103-8A3B-CAB0308E6C15}"/>
+              </a:ext>
+              <a:ext uri="{C183D7F6-B498-43B3-948B-1728B52AA6E4}">
+                <adec:decorative xmlns:adec="http://schemas.microsoft.com/office/drawing/2017/decorative" val="1"/>
+              </a:ext>
+            </a:extLst>
+          </p:cNvPr>
+          <p:cNvSpPr>
+            <a:spLocks noGrp="1" noRot="1" noChangeAspect="1" noMove="1" noResize="1" noEditPoints="1" noAdjustHandles="1" noChangeArrowheads="1" noChangeShapeType="1" noTextEdit="1"/>
+          </p:cNvSpPr>
+          <p:nvPr>
+            <p:extLst>
+              <p:ext uri="{386F3935-93C4-4BCD-93E2-E3B085C9AB24}">
+                <p16:designElem xmlns:p16="http://schemas.microsoft.com/office/powerpoint/2015/main" val="1"/>
+              </p:ext>
+            </p:extLst>
+          </p:nvPr>
+        </p:nvSpPr>
+        <p:spPr>
+          <a:xfrm>
+            <a:off x="0" y="0"/>
+            <a:ext cx="9141713" cy="5143500"/>
+          </a:xfrm>
+          <a:prstGeom prst="rect">
+            <a:avLst/>
+          </a:prstGeom>
+          <a:ln>
+            <a:noFill/>
+          </a:ln>
+        </p:spPr>
+        <p:style>
+          <a:lnRef idx="2">
+            <a:schemeClr val="accent1">
+              <a:shade val="50000"/>
+            </a:schemeClr>
+          </a:lnRef>
+          <a:fillRef idx="1">
+            <a:schemeClr val="accent1"/>
+          </a:fillRef>
+          <a:effectRef idx="0">
+            <a:schemeClr val="accent1"/>
+          </a:effectRef>
+          <a:fontRef idx="minor">
+            <a:schemeClr val="lt1"/>
+          </a:fontRef>
+        </p:style>
+        <p:txBody>
+          <a:bodyPr rtlCol="0" anchor="ctr"/>
+          <a:lstStyle/>
+          <a:p>
+            <a:pPr algn="ctr"/>
+            <a:endParaRPr lang="en-US"/>
+          </a:p>
+        </p:txBody>
+      </p:sp>
+      <p:sp>
+        <p:nvSpPr>
+          <p:cNvPr id="2" name="Title 1">
+            <a:extLst>
+              <a:ext uri="{FF2B5EF4-FFF2-40B4-BE49-F238E27FC236}">
+                <a16:creationId xmlns:a16="http://schemas.microsoft.com/office/drawing/2014/main" id="{E222A7A7-3ECA-8060-6749-F2D4421E269D}"/>
+              </a:ext>
+            </a:extLst>
+          </p:cNvPr>
+          <p:cNvSpPr>
+            <a:spLocks noGrp="1"/>
+          </p:cNvSpPr>
+          <p:nvPr>
+            <p:ph type="title"/>
+          </p:nvPr>
+        </p:nvSpPr>
+        <p:spPr>
+          <a:xfrm>
+            <a:off x="628650" y="273843"/>
+            <a:ext cx="7886700" cy="550616"/>
+          </a:xfrm>
+        </p:spPr>
+        <p:txBody>
+          <a:bodyPr vert="horz" lIns="91440" tIns="45720" rIns="91440" bIns="45720" rtlCol="0" anchor="ctr">
+            <a:normAutofit/>
+          </a:bodyPr>
+          <a:lstStyle/>
+          <a:p>
+            <a:pPr defTabSz="914400"/>
+            <a:r>
+              <a:rPr lang="en-US" sz="2400" dirty="0"/>
+              <a:t>Tests on Small Data Set – </a:t>
+            </a:r>
+            <a:r>
+              <a:rPr lang="en-US" sz="2400" dirty="0" err="1"/>
+              <a:t>Embeddigs</a:t>
+            </a:r>
+            <a:r>
+              <a:rPr lang="en-US" sz="2400" dirty="0"/>
+              <a:t> best results</a:t>
+            </a:r>
+          </a:p>
+        </p:txBody>
+      </p:sp>
+      <p:pic>
+        <p:nvPicPr>
+          <p:cNvPr id="7" name="Picture 6">
+            <a:extLst>
+              <a:ext uri="{FF2B5EF4-FFF2-40B4-BE49-F238E27FC236}">
+                <a16:creationId xmlns:a16="http://schemas.microsoft.com/office/drawing/2014/main" id="{EE4D8AAC-8278-BAFD-4315-4EEB0DF506C9}"/>
+              </a:ext>
+            </a:extLst>
+          </p:cNvPr>
+          <p:cNvPicPr>
+            <a:picLocks noChangeAspect="1"/>
+          </p:cNvPicPr>
+          <p:nvPr/>
+        </p:nvPicPr>
+        <p:blipFill>
+          <a:blip r:embed="rId2">
+            <a:extLst>
+              <a:ext uri="{28A0092B-C50C-407E-A947-70E740481C1C}">
+                <a14:useLocalDpi xmlns:a14="http://schemas.microsoft.com/office/drawing/2010/main" val="0"/>
+              </a:ext>
+            </a:extLst>
+          </a:blip>
+          <a:stretch/>
+        </p:blipFill>
+        <p:spPr>
+          <a:xfrm>
+            <a:off x="348672" y="1171204"/>
+            <a:ext cx="3783834" cy="3310855"/>
+          </a:xfrm>
+          <a:prstGeom prst="rect">
+            <a:avLst/>
+          </a:prstGeom>
+        </p:spPr>
+      </p:pic>
+      <p:pic>
+        <p:nvPicPr>
+          <p:cNvPr id="3" name="Picture 2">
+            <a:extLst>
+              <a:ext uri="{FF2B5EF4-FFF2-40B4-BE49-F238E27FC236}">
+                <a16:creationId xmlns:a16="http://schemas.microsoft.com/office/drawing/2014/main" id="{B92266E3-094E-50D5-085B-5B11563BF7C4}"/>
+              </a:ext>
+            </a:extLst>
+          </p:cNvPr>
+          <p:cNvPicPr>
+            <a:picLocks noChangeAspect="1"/>
+          </p:cNvPicPr>
+          <p:nvPr/>
+        </p:nvPicPr>
+        <p:blipFill>
+          <a:blip r:embed="rId3">
+            <a:extLst>
+              <a:ext uri="{28A0092B-C50C-407E-A947-70E740481C1C}">
+                <a14:useLocalDpi xmlns:a14="http://schemas.microsoft.com/office/drawing/2010/main" val="0"/>
+              </a:ext>
+            </a:extLst>
+          </a:blip>
+          <a:srcRect/>
+          <a:stretch/>
+        </p:blipFill>
+        <p:spPr>
+          <a:xfrm>
+            <a:off x="4367050" y="1095615"/>
+            <a:ext cx="3872577" cy="3386444"/>
+          </a:xfrm>
+          <a:prstGeom prst="rect">
+            <a:avLst/>
+          </a:prstGeom>
+        </p:spPr>
+      </p:pic>
+      <p:sp>
+        <p:nvSpPr>
+          <p:cNvPr id="4" name="Footer Placeholder 3">
+            <a:extLst>
+              <a:ext uri="{FF2B5EF4-FFF2-40B4-BE49-F238E27FC236}">
+                <a16:creationId xmlns:a16="http://schemas.microsoft.com/office/drawing/2014/main" id="{655D0178-E938-38BF-E41D-7FD4374A22BA}"/>
+              </a:ext>
+            </a:extLst>
+          </p:cNvPr>
+          <p:cNvSpPr>
+            <a:spLocks noGrp="1"/>
+          </p:cNvSpPr>
+          <p:nvPr>
+            <p:ph type="ftr" sz="quarter" idx="12"/>
+          </p:nvPr>
+        </p:nvSpPr>
+        <p:spPr>
+          <a:xfrm>
+            <a:off x="3028950" y="4767262"/>
+            <a:ext cx="3086100" cy="273844"/>
+          </a:xfrm>
+        </p:spPr>
+        <p:txBody>
+          <a:bodyPr vert="horz" lIns="91440" tIns="45720" rIns="91440" bIns="45720" rtlCol="0" anchor="ctr">
+            <a:normAutofit/>
+          </a:bodyPr>
+          <a:lstStyle/>
+          <a:p>
+            <a:pPr algn="ctr">
+              <a:lnSpc>
+                <a:spcPct val="90000"/>
+              </a:lnSpc>
+              <a:spcAft>
+                <a:spcPts val="600"/>
+              </a:spcAft>
+            </a:pPr>
+            <a:r>
+              <a:rPr lang="en-US" sz="1200" kern="1200">
+                <a:solidFill>
+                  <a:schemeClr val="tx1">
+                    <a:tint val="75000"/>
+                  </a:schemeClr>
+                </a:solidFill>
+                <a:latin typeface="+mn-lt"/>
+                <a:ea typeface="+mn-ea"/>
+                <a:cs typeface="+mn-cs"/>
+              </a:rPr>
+              <a:t>Präsentationstitel | Name | Datum</a:t>
+            </a:r>
+          </a:p>
+        </p:txBody>
+      </p:sp>
+      <p:sp>
+        <p:nvSpPr>
+          <p:cNvPr id="5" name="Slide Number Placeholder 4">
+            <a:extLst>
+              <a:ext uri="{FF2B5EF4-FFF2-40B4-BE49-F238E27FC236}">
+                <a16:creationId xmlns:a16="http://schemas.microsoft.com/office/drawing/2014/main" id="{DAFC0FCC-8031-4F41-797F-5A9E20452457}"/>
+              </a:ext>
+            </a:extLst>
+          </p:cNvPr>
+          <p:cNvSpPr>
+            <a:spLocks noGrp="1"/>
+          </p:cNvSpPr>
+          <p:nvPr>
+            <p:ph type="sldNum" sz="quarter" idx="13"/>
+          </p:nvPr>
+        </p:nvSpPr>
+        <p:spPr>
+          <a:xfrm>
+            <a:off x="6457950" y="4767262"/>
+            <a:ext cx="2057400" cy="273844"/>
+          </a:xfrm>
+        </p:spPr>
+        <p:txBody>
+          <a:bodyPr vert="horz" lIns="91440" tIns="45720" rIns="91440" bIns="45720" rtlCol="0" anchor="ctr">
+            <a:normAutofit/>
+          </a:bodyPr>
+          <a:lstStyle/>
+          <a:p>
+            <a:pPr>
+              <a:lnSpc>
+                <a:spcPct val="90000"/>
+              </a:lnSpc>
+              <a:spcAft>
+                <a:spcPts val="600"/>
+              </a:spcAft>
+            </a:pPr>
+            <a:fld id="{9C057DB4-583E-41A7-BD94-987342018C17}" type="slidenum">
+              <a:rPr lang="en-US" sz="1200" smtClean="0">
+                <a:solidFill>
+                  <a:schemeClr val="tx1">
+                    <a:tint val="75000"/>
+                  </a:schemeClr>
+                </a:solidFill>
+              </a:rPr>
+              <a:pPr>
+                <a:lnSpc>
+                  <a:spcPct val="90000"/>
+                </a:lnSpc>
+                <a:spcAft>
+                  <a:spcPts val="600"/>
+                </a:spcAft>
+              </a:pPr>
+              <a:t>9</a:t>
+            </a:fld>
+            <a:endParaRPr lang="en-US" sz="1200">
+              <a:solidFill>
+                <a:schemeClr val="tx1">
+                  <a:tint val="75000"/>
+                </a:schemeClr>
+              </a:solidFill>
+            </a:endParaRPr>
+          </a:p>
+        </p:txBody>
+      </p:sp>
+    </p:spTree>
+    <p:extLst>
+      <p:ext uri="{BB962C8B-B14F-4D97-AF65-F5344CB8AC3E}">
+        <p14:creationId xmlns:p14="http://schemas.microsoft.com/office/powerpoint/2010/main" val="990200818"/>
       </p:ext>
     </p:extLst>
   </p:cSld>
